--- a/paper/workflow.pptx
+++ b/paper/workflow.pptx
@@ -243,7 +243,7 @@
           <a:p>
             <a:fld id="{B3C7968B-5494-B14A-8488-27A9BF12CDF1}" type="datetimeFigureOut">
               <a:rPr lang="en-US" smtClean="0"/>
-              <a:t>4/23/25</a:t>
+              <a:t>4/24/25</a:t>
             </a:fld>
             <a:endParaRPr lang="en-US"/>
           </a:p>
@@ -413,7 +413,7 @@
           <a:p>
             <a:fld id="{B3C7968B-5494-B14A-8488-27A9BF12CDF1}" type="datetimeFigureOut">
               <a:rPr lang="en-US" smtClean="0"/>
-              <a:t>4/23/25</a:t>
+              <a:t>4/24/25</a:t>
             </a:fld>
             <a:endParaRPr lang="en-US"/>
           </a:p>
@@ -593,7 +593,7 @@
           <a:p>
             <a:fld id="{B3C7968B-5494-B14A-8488-27A9BF12CDF1}" type="datetimeFigureOut">
               <a:rPr lang="en-US" smtClean="0"/>
-              <a:t>4/23/25</a:t>
+              <a:t>4/24/25</a:t>
             </a:fld>
             <a:endParaRPr lang="en-US"/>
           </a:p>
@@ -763,7 +763,7 @@
           <a:p>
             <a:fld id="{B3C7968B-5494-B14A-8488-27A9BF12CDF1}" type="datetimeFigureOut">
               <a:rPr lang="en-US" smtClean="0"/>
-              <a:t>4/23/25</a:t>
+              <a:t>4/24/25</a:t>
             </a:fld>
             <a:endParaRPr lang="en-US"/>
           </a:p>
@@ -1009,7 +1009,7 @@
           <a:p>
             <a:fld id="{B3C7968B-5494-B14A-8488-27A9BF12CDF1}" type="datetimeFigureOut">
               <a:rPr lang="en-US" smtClean="0"/>
-              <a:t>4/23/25</a:t>
+              <a:t>4/24/25</a:t>
             </a:fld>
             <a:endParaRPr lang="en-US"/>
           </a:p>
@@ -1241,7 +1241,7 @@
           <a:p>
             <a:fld id="{B3C7968B-5494-B14A-8488-27A9BF12CDF1}" type="datetimeFigureOut">
               <a:rPr lang="en-US" smtClean="0"/>
-              <a:t>4/23/25</a:t>
+              <a:t>4/24/25</a:t>
             </a:fld>
             <a:endParaRPr lang="en-US"/>
           </a:p>
@@ -1608,7 +1608,7 @@
           <a:p>
             <a:fld id="{B3C7968B-5494-B14A-8488-27A9BF12CDF1}" type="datetimeFigureOut">
               <a:rPr lang="en-US" smtClean="0"/>
-              <a:t>4/23/25</a:t>
+              <a:t>4/24/25</a:t>
             </a:fld>
             <a:endParaRPr lang="en-US"/>
           </a:p>
@@ -1726,7 +1726,7 @@
           <a:p>
             <a:fld id="{B3C7968B-5494-B14A-8488-27A9BF12CDF1}" type="datetimeFigureOut">
               <a:rPr lang="en-US" smtClean="0"/>
-              <a:t>4/23/25</a:t>
+              <a:t>4/24/25</a:t>
             </a:fld>
             <a:endParaRPr lang="en-US"/>
           </a:p>
@@ -1821,7 +1821,7 @@
           <a:p>
             <a:fld id="{B3C7968B-5494-B14A-8488-27A9BF12CDF1}" type="datetimeFigureOut">
               <a:rPr lang="en-US" smtClean="0"/>
-              <a:t>4/23/25</a:t>
+              <a:t>4/24/25</a:t>
             </a:fld>
             <a:endParaRPr lang="en-US"/>
           </a:p>
@@ -2098,7 +2098,7 @@
           <a:p>
             <a:fld id="{B3C7968B-5494-B14A-8488-27A9BF12CDF1}" type="datetimeFigureOut">
               <a:rPr lang="en-US" smtClean="0"/>
-              <a:t>4/23/25</a:t>
+              <a:t>4/24/25</a:t>
             </a:fld>
             <a:endParaRPr lang="en-US"/>
           </a:p>
@@ -2355,7 +2355,7 @@
           <a:p>
             <a:fld id="{B3C7968B-5494-B14A-8488-27A9BF12CDF1}" type="datetimeFigureOut">
               <a:rPr lang="en-US" smtClean="0"/>
-              <a:t>4/23/25</a:t>
+              <a:t>4/24/25</a:t>
             </a:fld>
             <a:endParaRPr lang="en-US"/>
           </a:p>
@@ -2568,7 +2568,7 @@
           <a:p>
             <a:fld id="{B3C7968B-5494-B14A-8488-27A9BF12CDF1}" type="datetimeFigureOut">
               <a:rPr lang="en-US" smtClean="0"/>
-              <a:t>4/23/25</a:t>
+              <a:t>4/24/25</a:t>
             </a:fld>
             <a:endParaRPr lang="en-US"/>
           </a:p>
@@ -2987,7 +2987,7 @@
         </p:nvSpPr>
         <p:spPr>
           <a:xfrm>
-            <a:off x="3645023" y="2309178"/>
+            <a:off x="3645023" y="3138519"/>
             <a:ext cx="2931993" cy="300628"/>
           </a:xfrm>
           <a:prstGeom prst="rect">
@@ -3055,7 +3055,7 @@
         </p:nvSpPr>
         <p:spPr>
           <a:xfrm>
-            <a:off x="3645023" y="2609806"/>
+            <a:off x="3645023" y="3439147"/>
             <a:ext cx="2931993" cy="300628"/>
           </a:xfrm>
           <a:prstGeom prst="rect">
@@ -3111,7 +3111,7 @@
         </p:nvSpPr>
         <p:spPr>
           <a:xfrm>
-            <a:off x="3645023" y="3315648"/>
+            <a:off x="3645023" y="4144989"/>
             <a:ext cx="2931993" cy="300628"/>
           </a:xfrm>
           <a:prstGeom prst="rect">
@@ -3171,7 +3171,7 @@
         </p:nvSpPr>
         <p:spPr>
           <a:xfrm>
-            <a:off x="3645022" y="3616276"/>
+            <a:off x="3645022" y="4445617"/>
             <a:ext cx="2931993" cy="300628"/>
           </a:xfrm>
           <a:prstGeom prst="rect">
@@ -3231,7 +3231,7 @@
         </p:nvCxnSpPr>
         <p:spPr>
           <a:xfrm>
-            <a:off x="5111020" y="2910434"/>
+            <a:off x="5111020" y="3739775"/>
             <a:ext cx="0" cy="405214"/>
           </a:xfrm>
           <a:prstGeom prst="straightConnector1">
@@ -3273,7 +3273,7 @@
         </p:nvSpPr>
         <p:spPr>
           <a:xfrm>
-            <a:off x="7021632" y="2309178"/>
+            <a:off x="7021632" y="3138519"/>
             <a:ext cx="2931993" cy="300628"/>
           </a:xfrm>
           <a:prstGeom prst="rect">
@@ -3333,7 +3333,7 @@
         </p:nvSpPr>
         <p:spPr>
           <a:xfrm>
-            <a:off x="7021630" y="2602872"/>
+            <a:off x="7021630" y="3432213"/>
             <a:ext cx="2931993" cy="300628"/>
           </a:xfrm>
           <a:prstGeom prst="rect">
@@ -3393,7 +3393,7 @@
         </p:nvCxnSpPr>
         <p:spPr>
           <a:xfrm flipV="1">
-            <a:off x="6577016" y="2459492"/>
+            <a:off x="6577016" y="3288833"/>
             <a:ext cx="444616" cy="1006470"/>
           </a:xfrm>
           <a:prstGeom prst="bentConnector3">
@@ -3437,7 +3437,7 @@
         </p:nvSpPr>
         <p:spPr>
           <a:xfrm>
-            <a:off x="3645023" y="1299553"/>
+            <a:off x="3645023" y="2128894"/>
             <a:ext cx="2931993" cy="300628"/>
           </a:xfrm>
           <a:prstGeom prst="rect">
@@ -3497,7 +3497,7 @@
         </p:nvSpPr>
         <p:spPr>
           <a:xfrm>
-            <a:off x="3645023" y="1600181"/>
+            <a:off x="3645023" y="2429522"/>
             <a:ext cx="2931993" cy="300628"/>
           </a:xfrm>
           <a:prstGeom prst="rect">
@@ -3533,15 +3533,7 @@
             </a:pPr>
             <a:r>
               <a:rPr lang="en" sz="1200" dirty="0"/>
-              <a:t>Protein Data Bank / Thera-</a:t>
-            </a:r>
-            <a:r>
-              <a:rPr lang="en" sz="1200" dirty="0" err="1"/>
-              <a:t>SAbDab</a:t>
-            </a:r>
-            <a:r>
-              <a:rPr lang="en" sz="1200" dirty="0"/>
-              <a:t> .a3m</a:t>
+              <a:t>MUSCLE</a:t>
             </a:r>
             <a:endParaRPr sz="1100" dirty="0"/>
           </a:p>
@@ -3565,7 +3557,7 @@
         </p:nvCxnSpPr>
         <p:spPr>
           <a:xfrm>
-            <a:off x="5111020" y="1900809"/>
+            <a:off x="5111020" y="2730150"/>
             <a:ext cx="0" cy="408369"/>
           </a:xfrm>
           <a:prstGeom prst="straightConnector1">
@@ -3607,14 +3599,14 @@
         </p:nvSpPr>
         <p:spPr>
           <a:xfrm>
-            <a:off x="7021633" y="3315648"/>
+            <a:off x="7021633" y="4144989"/>
             <a:ext cx="1423379" cy="300628"/>
           </a:xfrm>
           <a:prstGeom prst="rect">
             <a:avLst/>
           </a:prstGeom>
           <a:solidFill>
-            <a:srgbClr val="005035"/>
+            <a:srgbClr val="007377"/>
           </a:solidFill>
           <a:ln w="19050" cap="flat" cmpd="sng">
             <a:solidFill>
@@ -3667,14 +3659,16 @@
         </p:nvSpPr>
         <p:spPr>
           <a:xfrm>
-            <a:off x="7021632" y="3616275"/>
+            <a:off x="7021632" y="4445616"/>
             <a:ext cx="1423379" cy="300628"/>
           </a:xfrm>
           <a:prstGeom prst="rect">
             <a:avLst/>
           </a:prstGeom>
           <a:solidFill>
-            <a:srgbClr val="A49665"/>
+            <a:schemeClr val="bg1">
+              <a:lumMod val="75000"/>
+            </a:schemeClr>
           </a:solidFill>
           <a:ln w="19050" cap="flat" cmpd="sng">
             <a:solidFill>
@@ -3723,14 +3717,14 @@
         </p:nvSpPr>
         <p:spPr>
           <a:xfrm>
-            <a:off x="7021632" y="1295774"/>
+            <a:off x="7021632" y="2125115"/>
             <a:ext cx="2931993" cy="300628"/>
           </a:xfrm>
           <a:prstGeom prst="rect">
             <a:avLst/>
           </a:prstGeom>
           <a:solidFill>
-            <a:srgbClr val="005035"/>
+            <a:srgbClr val="007377"/>
           </a:solidFill>
           <a:ln w="19050" cap="flat" cmpd="sng">
             <a:solidFill>
@@ -3783,14 +3777,16 @@
         </p:nvSpPr>
         <p:spPr>
           <a:xfrm>
-            <a:off x="7021632" y="1596402"/>
+            <a:off x="7021632" y="2425743"/>
             <a:ext cx="2931993" cy="300628"/>
           </a:xfrm>
           <a:prstGeom prst="rect">
             <a:avLst/>
           </a:prstGeom>
           <a:solidFill>
-            <a:srgbClr val="A49665"/>
+            <a:schemeClr val="bg1">
+              <a:lumMod val="75000"/>
+            </a:schemeClr>
           </a:solidFill>
           <a:ln w="19050" cap="flat" cmpd="sng">
             <a:solidFill>
@@ -3843,7 +3839,7 @@
         </p:nvCxnSpPr>
         <p:spPr>
           <a:xfrm>
-            <a:off x="8487629" y="1897030"/>
+            <a:off x="8487629" y="2726371"/>
             <a:ext cx="0" cy="412148"/>
           </a:xfrm>
           <a:prstGeom prst="straightConnector1">
@@ -3885,14 +3881,14 @@
         </p:nvSpPr>
         <p:spPr>
           <a:xfrm>
-            <a:off x="8530246" y="3318682"/>
+            <a:off x="8530246" y="4148023"/>
             <a:ext cx="1423379" cy="300628"/>
           </a:xfrm>
           <a:prstGeom prst="rect">
             <a:avLst/>
           </a:prstGeom>
           <a:solidFill>
-            <a:srgbClr val="005035"/>
+            <a:srgbClr val="007377"/>
           </a:solidFill>
           <a:ln w="19050" cap="flat" cmpd="sng">
             <a:solidFill>
@@ -3945,14 +3941,16 @@
         </p:nvSpPr>
         <p:spPr>
           <a:xfrm>
-            <a:off x="8530246" y="3616275"/>
+            <a:off x="8530246" y="4445616"/>
             <a:ext cx="1423379" cy="300628"/>
           </a:xfrm>
           <a:prstGeom prst="rect">
             <a:avLst/>
           </a:prstGeom>
           <a:solidFill>
-            <a:srgbClr val="A49665"/>
+            <a:schemeClr val="bg1">
+              <a:lumMod val="75000"/>
+            </a:schemeClr>
           </a:solidFill>
           <a:ln w="19050" cap="flat" cmpd="sng">
             <a:solidFill>
@@ -4005,7 +4003,7 @@
         </p:nvCxnSpPr>
         <p:spPr>
           <a:xfrm rot="5400000">
-            <a:off x="7904401" y="2732422"/>
+            <a:off x="7904401" y="3561763"/>
             <a:ext cx="412148" cy="754304"/>
           </a:xfrm>
           <a:prstGeom prst="bentConnector3">
@@ -4053,13 +4051,181 @@
         </p:nvCxnSpPr>
         <p:spPr>
           <a:xfrm rot="16200000" flipH="1">
-            <a:off x="8657190" y="2733936"/>
+            <a:off x="8657190" y="3563277"/>
             <a:ext cx="415182" cy="754309"/>
           </a:xfrm>
           <a:prstGeom prst="bentConnector3">
             <a:avLst>
               <a:gd name="adj1" fmla="val 50000"/>
             </a:avLst>
+          </a:prstGeom>
+          <a:ln w="38100">
+            <a:solidFill>
+              <a:srgbClr val="005035"/>
+            </a:solidFill>
+            <a:tailEnd type="triangle"/>
+          </a:ln>
+        </p:spPr>
+        <p:style>
+          <a:lnRef idx="2">
+            <a:schemeClr val="accent1"/>
+          </a:lnRef>
+          <a:fillRef idx="0">
+            <a:schemeClr val="accent1"/>
+          </a:fillRef>
+          <a:effectRef idx="1">
+            <a:schemeClr val="accent1"/>
+          </a:effectRef>
+          <a:fontRef idx="minor">
+            <a:schemeClr val="tx1"/>
+          </a:fontRef>
+        </p:style>
+      </p:cxnSp>
+      <p:sp>
+        <p:nvSpPr>
+          <p:cNvPr id="6" name="Google Shape;240;p41">
+            <a:extLst>
+              <a:ext uri="{FF2B5EF4-FFF2-40B4-BE49-F238E27FC236}">
+                <a16:creationId xmlns:a16="http://schemas.microsoft.com/office/drawing/2014/main" id="{865A1836-9462-BA00-303F-9F65F463BD1F}"/>
+              </a:ext>
+            </a:extLst>
+          </p:cNvPr>
+          <p:cNvSpPr/>
+          <p:nvPr/>
+        </p:nvSpPr>
+        <p:spPr>
+          <a:xfrm>
+            <a:off x="3645023" y="1120847"/>
+            <a:ext cx="2931993" cy="300628"/>
+          </a:xfrm>
+          <a:prstGeom prst="rect">
+            <a:avLst/>
+          </a:prstGeom>
+          <a:solidFill>
+            <a:srgbClr val="007377"/>
+          </a:solidFill>
+          <a:ln w="19050" cap="flat" cmpd="sng">
+            <a:solidFill>
+              <a:schemeClr val="lt1"/>
+            </a:solidFill>
+            <a:prstDash val="solid"/>
+            <a:miter lim="800000"/>
+            <a:headEnd type="none" w="sm" len="sm"/>
+            <a:tailEnd type="none" w="sm" len="sm"/>
+          </a:ln>
+        </p:spPr>
+        <p:txBody>
+          <a:bodyPr spcFirstLastPara="1" wrap="square" lIns="68575" tIns="34275" rIns="68575" bIns="34275" anchor="ctr" anchorCtr="0">
+            <a:noAutofit/>
+          </a:bodyPr>
+          <a:lstStyle/>
+          <a:p>
+            <a:pPr marL="0" marR="0" lvl="0" indent="0" algn="ctr" rtl="0">
+              <a:spcBef>
+                <a:spcPts val="0"/>
+              </a:spcBef>
+              <a:spcAft>
+                <a:spcPts val="0"/>
+              </a:spcAft>
+              <a:buNone/>
+            </a:pPr>
+            <a:r>
+              <a:rPr lang="en" sz="1200" dirty="0">
+                <a:solidFill>
+                  <a:schemeClr val="lt1"/>
+                </a:solidFill>
+              </a:rPr>
+              <a:t>Reference Sequence Collection</a:t>
+            </a:r>
+            <a:endParaRPr sz="1100" dirty="0"/>
+          </a:p>
+        </p:txBody>
+      </p:sp>
+      <p:sp>
+        <p:nvSpPr>
+          <p:cNvPr id="8" name="Google Shape;240;p41">
+            <a:extLst>
+              <a:ext uri="{FF2B5EF4-FFF2-40B4-BE49-F238E27FC236}">
+                <a16:creationId xmlns:a16="http://schemas.microsoft.com/office/drawing/2014/main" id="{71C000BA-2A2C-2D10-B64F-E96738129F67}"/>
+              </a:ext>
+            </a:extLst>
+          </p:cNvPr>
+          <p:cNvSpPr/>
+          <p:nvPr/>
+        </p:nvSpPr>
+        <p:spPr>
+          <a:xfrm>
+            <a:off x="3645023" y="1421475"/>
+            <a:ext cx="2931993" cy="300628"/>
+          </a:xfrm>
+          <a:prstGeom prst="rect">
+            <a:avLst/>
+          </a:prstGeom>
+          <a:solidFill>
+            <a:schemeClr val="bg1">
+              <a:lumMod val="75000"/>
+            </a:schemeClr>
+          </a:solidFill>
+          <a:ln w="19050" cap="flat" cmpd="sng">
+            <a:solidFill>
+              <a:schemeClr val="lt1"/>
+            </a:solidFill>
+            <a:prstDash val="solid"/>
+            <a:miter lim="800000"/>
+            <a:headEnd type="none" w="sm" len="sm"/>
+            <a:tailEnd type="none" w="sm" len="sm"/>
+          </a:ln>
+        </p:spPr>
+        <p:txBody>
+          <a:bodyPr spcFirstLastPara="1" wrap="square" lIns="68575" tIns="34275" rIns="68575" bIns="34275" anchor="ctr" anchorCtr="0">
+            <a:noAutofit/>
+          </a:bodyPr>
+          <a:lstStyle/>
+          <a:p>
+            <a:pPr marL="0" marR="0" lvl="0" indent="0" algn="ctr" rtl="0">
+              <a:spcBef>
+                <a:spcPts val="0"/>
+              </a:spcBef>
+              <a:spcAft>
+                <a:spcPts val="0"/>
+              </a:spcAft>
+              <a:buNone/>
+            </a:pPr>
+            <a:r>
+              <a:rPr lang="en" sz="1200" dirty="0"/>
+              <a:t>Protein Data Bank / Thera-</a:t>
+            </a:r>
+            <a:r>
+              <a:rPr lang="en" sz="1200" dirty="0" err="1"/>
+              <a:t>SAbDab</a:t>
+            </a:r>
+            <a:endParaRPr sz="1100" dirty="0"/>
+          </a:p>
+        </p:txBody>
+      </p:sp>
+      <p:cxnSp>
+        <p:nvCxnSpPr>
+          <p:cNvPr id="11" name="Straight Arrow Connector 10">
+            <a:extLst>
+              <a:ext uri="{FF2B5EF4-FFF2-40B4-BE49-F238E27FC236}">
+                <a16:creationId xmlns:a16="http://schemas.microsoft.com/office/drawing/2014/main" id="{AF5C1DA1-1718-D55C-6FE3-85786B22E71A}"/>
+              </a:ext>
+            </a:extLst>
+          </p:cNvPr>
+          <p:cNvCxnSpPr>
+            <a:cxnSpLocks/>
+            <a:stCxn id="8" idx="2"/>
+            <a:endCxn id="13" idx="0"/>
+          </p:cNvCxnSpPr>
+          <p:nvPr/>
+        </p:nvCxnSpPr>
+        <p:spPr>
+          <a:xfrm>
+            <a:off x="5111020" y="1722103"/>
+            <a:ext cx="0" cy="406791"/>
+          </a:xfrm>
+          <a:prstGeom prst="straightConnector1">
+            <a:avLst/>
           </a:prstGeom>
           <a:ln w="38100">
             <a:solidFill>

--- a/paper/workflow.pptx
+++ b/paper/workflow.pptx
@@ -243,7 +243,7 @@
           <a:p>
             <a:fld id="{B3C7968B-5494-B14A-8488-27A9BF12CDF1}" type="datetimeFigureOut">
               <a:rPr lang="en-US" smtClean="0"/>
-              <a:t>4/24/25</a:t>
+              <a:t>4/30/2025</a:t>
             </a:fld>
             <a:endParaRPr lang="en-US"/>
           </a:p>
@@ -413,7 +413,7 @@
           <a:p>
             <a:fld id="{B3C7968B-5494-B14A-8488-27A9BF12CDF1}" type="datetimeFigureOut">
               <a:rPr lang="en-US" smtClean="0"/>
-              <a:t>4/24/25</a:t>
+              <a:t>4/30/2025</a:t>
             </a:fld>
             <a:endParaRPr lang="en-US"/>
           </a:p>
@@ -593,7 +593,7 @@
           <a:p>
             <a:fld id="{B3C7968B-5494-B14A-8488-27A9BF12CDF1}" type="datetimeFigureOut">
               <a:rPr lang="en-US" smtClean="0"/>
-              <a:t>4/24/25</a:t>
+              <a:t>4/30/2025</a:t>
             </a:fld>
             <a:endParaRPr lang="en-US"/>
           </a:p>
@@ -763,7 +763,7 @@
           <a:p>
             <a:fld id="{B3C7968B-5494-B14A-8488-27A9BF12CDF1}" type="datetimeFigureOut">
               <a:rPr lang="en-US" smtClean="0"/>
-              <a:t>4/24/25</a:t>
+              <a:t>4/30/2025</a:t>
             </a:fld>
             <a:endParaRPr lang="en-US"/>
           </a:p>
@@ -1009,7 +1009,7 @@
           <a:p>
             <a:fld id="{B3C7968B-5494-B14A-8488-27A9BF12CDF1}" type="datetimeFigureOut">
               <a:rPr lang="en-US" smtClean="0"/>
-              <a:t>4/24/25</a:t>
+              <a:t>4/30/2025</a:t>
             </a:fld>
             <a:endParaRPr lang="en-US"/>
           </a:p>
@@ -1241,7 +1241,7 @@
           <a:p>
             <a:fld id="{B3C7968B-5494-B14A-8488-27A9BF12CDF1}" type="datetimeFigureOut">
               <a:rPr lang="en-US" smtClean="0"/>
-              <a:t>4/24/25</a:t>
+              <a:t>4/30/2025</a:t>
             </a:fld>
             <a:endParaRPr lang="en-US"/>
           </a:p>
@@ -1608,7 +1608,7 @@
           <a:p>
             <a:fld id="{B3C7968B-5494-B14A-8488-27A9BF12CDF1}" type="datetimeFigureOut">
               <a:rPr lang="en-US" smtClean="0"/>
-              <a:t>4/24/25</a:t>
+              <a:t>4/30/2025</a:t>
             </a:fld>
             <a:endParaRPr lang="en-US"/>
           </a:p>
@@ -1726,7 +1726,7 @@
           <a:p>
             <a:fld id="{B3C7968B-5494-B14A-8488-27A9BF12CDF1}" type="datetimeFigureOut">
               <a:rPr lang="en-US" smtClean="0"/>
-              <a:t>4/24/25</a:t>
+              <a:t>4/30/2025</a:t>
             </a:fld>
             <a:endParaRPr lang="en-US"/>
           </a:p>
@@ -1821,7 +1821,7 @@
           <a:p>
             <a:fld id="{B3C7968B-5494-B14A-8488-27A9BF12CDF1}" type="datetimeFigureOut">
               <a:rPr lang="en-US" smtClean="0"/>
-              <a:t>4/24/25</a:t>
+              <a:t>4/30/2025</a:t>
             </a:fld>
             <a:endParaRPr lang="en-US"/>
           </a:p>
@@ -2098,7 +2098,7 @@
           <a:p>
             <a:fld id="{B3C7968B-5494-B14A-8488-27A9BF12CDF1}" type="datetimeFigureOut">
               <a:rPr lang="en-US" smtClean="0"/>
-              <a:t>4/24/25</a:t>
+              <a:t>4/30/2025</a:t>
             </a:fld>
             <a:endParaRPr lang="en-US"/>
           </a:p>
@@ -2355,7 +2355,7 @@
           <a:p>
             <a:fld id="{B3C7968B-5494-B14A-8488-27A9BF12CDF1}" type="datetimeFigureOut">
               <a:rPr lang="en-US" smtClean="0"/>
-              <a:t>4/24/25</a:t>
+              <a:t>4/30/2025</a:t>
             </a:fld>
             <a:endParaRPr lang="en-US"/>
           </a:p>
@@ -2568,7 +2568,7 @@
           <a:p>
             <a:fld id="{B3C7968B-5494-B14A-8488-27A9BF12CDF1}" type="datetimeFigureOut">
               <a:rPr lang="en-US" smtClean="0"/>
-              <a:t>4/24/25</a:t>
+              <a:t>4/30/2025</a:t>
             </a:fld>
             <a:endParaRPr lang="en-US"/>
           </a:p>
@@ -2973,1282 +2973,1303 @@
           <a:chExt cx="0" cy="0"/>
         </a:xfrm>
       </p:grpSpPr>
-      <p:sp>
-        <p:nvSpPr>
-          <p:cNvPr id="2" name="Google Shape;240;p41">
+      <p:grpSp>
+        <p:nvGrpSpPr>
+          <p:cNvPr id="15" name="Group 14">
             <a:extLst>
               <a:ext uri="{FF2B5EF4-FFF2-40B4-BE49-F238E27FC236}">
-                <a16:creationId xmlns:a16="http://schemas.microsoft.com/office/drawing/2014/main" id="{E406E196-9177-1C66-5AF1-5880F4A20C77}"/>
+                <a16:creationId xmlns:a16="http://schemas.microsoft.com/office/drawing/2014/main" id="{6AAD9BA7-E821-DF7E-85EA-32EB1F1CAB59}"/>
               </a:ext>
             </a:extLst>
           </p:cNvPr>
-          <p:cNvSpPr/>
+          <p:cNvGrpSpPr/>
           <p:nvPr/>
-        </p:nvSpPr>
-        <p:spPr>
+        </p:nvGrpSpPr>
+        <p:grpSpPr>
           <a:xfrm>
-            <a:off x="3645023" y="3138519"/>
-            <a:ext cx="2931993" cy="300628"/>
+            <a:off x="2941699" y="1616301"/>
+            <a:ext cx="6308603" cy="3625398"/>
+            <a:chOff x="3645022" y="1120847"/>
+            <a:chExt cx="6308603" cy="3625398"/>
           </a:xfrm>
-          <a:prstGeom prst="rect">
-            <a:avLst/>
-          </a:prstGeom>
-          <a:solidFill>
-            <a:srgbClr val="005035"/>
-          </a:solidFill>
-          <a:ln w="19050" cap="flat" cmpd="sng">
-            <a:solidFill>
-              <a:schemeClr val="lt1"/>
-            </a:solidFill>
-            <a:prstDash val="solid"/>
-            <a:miter lim="800000"/>
-            <a:headEnd type="none" w="sm" len="sm"/>
-            <a:tailEnd type="none" w="sm" len="sm"/>
-          </a:ln>
-        </p:spPr>
-        <p:txBody>
-          <a:bodyPr spcFirstLastPara="1" wrap="square" lIns="68575" tIns="34275" rIns="68575" bIns="34275" anchor="ctr" anchorCtr="0">
-            <a:noAutofit/>
-          </a:bodyPr>
-          <a:lstStyle/>
-          <a:p>
-            <a:pPr marL="0" marR="0" lvl="0" indent="0" algn="ctr" rtl="0">
-              <a:spcBef>
-                <a:spcPts val="0"/>
-              </a:spcBef>
-              <a:spcAft>
-                <a:spcPts val="0"/>
-              </a:spcAft>
-              <a:buNone/>
-            </a:pPr>
-            <a:r>
-              <a:rPr lang="en" sz="1200" dirty="0" err="1">
-                <a:solidFill>
-                  <a:schemeClr val="lt1"/>
-                </a:solidFill>
-              </a:rPr>
-              <a:t>Fv</a:t>
-            </a:r>
-            <a:r>
-              <a:rPr lang="en" sz="1200" dirty="0">
-                <a:solidFill>
-                  <a:schemeClr val="lt1"/>
-                </a:solidFill>
-              </a:rPr>
-              <a:t> Sequence Diffusion</a:t>
-            </a:r>
-            <a:endParaRPr sz="1100" dirty="0"/>
-          </a:p>
-        </p:txBody>
-      </p:sp>
-      <p:sp>
-        <p:nvSpPr>
-          <p:cNvPr id="3" name="Google Shape;240;p41">
-            <a:extLst>
-              <a:ext uri="{FF2B5EF4-FFF2-40B4-BE49-F238E27FC236}">
-                <a16:creationId xmlns:a16="http://schemas.microsoft.com/office/drawing/2014/main" id="{1AAEFF79-D14C-ACBB-364D-77EF852335B9}"/>
-              </a:ext>
-            </a:extLst>
-          </p:cNvPr>
-          <p:cNvSpPr/>
-          <p:nvPr/>
-        </p:nvSpPr>
-        <p:spPr>
-          <a:xfrm>
-            <a:off x="3645023" y="3439147"/>
-            <a:ext cx="2931993" cy="300628"/>
-          </a:xfrm>
-          <a:prstGeom prst="rect">
-            <a:avLst/>
-          </a:prstGeom>
-          <a:solidFill>
-            <a:srgbClr val="A49665"/>
-          </a:solidFill>
-          <a:ln w="19050" cap="flat" cmpd="sng">
-            <a:solidFill>
-              <a:schemeClr val="lt1"/>
-            </a:solidFill>
-            <a:prstDash val="solid"/>
-            <a:miter lim="800000"/>
-            <a:headEnd type="none" w="sm" len="sm"/>
-            <a:tailEnd type="none" w="sm" len="sm"/>
-          </a:ln>
-        </p:spPr>
-        <p:txBody>
-          <a:bodyPr spcFirstLastPara="1" wrap="square" lIns="68575" tIns="34275" rIns="68575" bIns="34275" anchor="ctr" anchorCtr="0">
-            <a:noAutofit/>
-          </a:bodyPr>
-          <a:lstStyle/>
-          <a:p>
-            <a:pPr marL="0" marR="0" lvl="0" indent="0" algn="ctr" rtl="0">
-              <a:spcBef>
-                <a:spcPts val="0"/>
-              </a:spcBef>
-              <a:spcAft>
-                <a:spcPts val="0"/>
-              </a:spcAft>
-              <a:buNone/>
-            </a:pPr>
-            <a:r>
-              <a:rPr lang="en" sz="1200" dirty="0" err="1"/>
-              <a:t>EvoDiff</a:t>
-            </a:r>
-            <a:endParaRPr sz="1100" dirty="0"/>
-          </a:p>
-        </p:txBody>
-      </p:sp>
-      <p:sp>
-        <p:nvSpPr>
-          <p:cNvPr id="4" name="Google Shape;240;p41">
-            <a:extLst>
-              <a:ext uri="{FF2B5EF4-FFF2-40B4-BE49-F238E27FC236}">
-                <a16:creationId xmlns:a16="http://schemas.microsoft.com/office/drawing/2014/main" id="{B92BC7BE-82F4-F8CD-9445-FF22F40CFF74}"/>
-              </a:ext>
-            </a:extLst>
-          </p:cNvPr>
-          <p:cNvSpPr/>
-          <p:nvPr/>
-        </p:nvSpPr>
-        <p:spPr>
-          <a:xfrm>
-            <a:off x="3645023" y="4144989"/>
-            <a:ext cx="2931993" cy="300628"/>
-          </a:xfrm>
-          <a:prstGeom prst="rect">
-            <a:avLst/>
-          </a:prstGeom>
-          <a:solidFill>
-            <a:srgbClr val="005035"/>
-          </a:solidFill>
-          <a:ln w="19050" cap="flat" cmpd="sng">
-            <a:solidFill>
-              <a:schemeClr val="lt1"/>
-            </a:solidFill>
-            <a:prstDash val="solid"/>
-            <a:miter lim="800000"/>
-            <a:headEnd type="none" w="sm" len="sm"/>
-            <a:tailEnd type="none" w="sm" len="sm"/>
-          </a:ln>
-        </p:spPr>
-        <p:txBody>
-          <a:bodyPr spcFirstLastPara="1" wrap="square" lIns="68575" tIns="34275" rIns="68575" bIns="34275" anchor="ctr" anchorCtr="0">
-            <a:noAutofit/>
-          </a:bodyPr>
-          <a:lstStyle/>
-          <a:p>
-            <a:pPr marL="0" marR="0" lvl="0" indent="0" algn="ctr" rtl="0">
-              <a:spcBef>
-                <a:spcPts val="0"/>
-              </a:spcBef>
-              <a:spcAft>
-                <a:spcPts val="0"/>
-              </a:spcAft>
-              <a:buNone/>
-            </a:pPr>
-            <a:r>
-              <a:rPr lang="en" sz="1200" dirty="0">
-                <a:solidFill>
-                  <a:schemeClr val="lt1"/>
-                </a:solidFill>
-              </a:rPr>
-              <a:t>Structure Prediction</a:t>
-            </a:r>
-            <a:endParaRPr sz="1100" dirty="0"/>
-          </a:p>
-        </p:txBody>
-      </p:sp>
-      <p:sp>
-        <p:nvSpPr>
-          <p:cNvPr id="5" name="Google Shape;240;p41">
-            <a:extLst>
-              <a:ext uri="{FF2B5EF4-FFF2-40B4-BE49-F238E27FC236}">
-                <a16:creationId xmlns:a16="http://schemas.microsoft.com/office/drawing/2014/main" id="{B38CCAEC-DEAD-95A3-2B46-CB9435B97125}"/>
-              </a:ext>
-            </a:extLst>
-          </p:cNvPr>
-          <p:cNvSpPr/>
-          <p:nvPr/>
-        </p:nvSpPr>
-        <p:spPr>
-          <a:xfrm>
-            <a:off x="3645022" y="4445617"/>
-            <a:ext cx="2931993" cy="300628"/>
-          </a:xfrm>
-          <a:prstGeom prst="rect">
-            <a:avLst/>
-          </a:prstGeom>
-          <a:solidFill>
-            <a:srgbClr val="A49665"/>
-          </a:solidFill>
-          <a:ln w="19050" cap="flat" cmpd="sng">
-            <a:solidFill>
-              <a:schemeClr val="lt1"/>
-            </a:solidFill>
-            <a:prstDash val="solid"/>
-            <a:miter lim="800000"/>
-            <a:headEnd type="none" w="sm" len="sm"/>
-            <a:tailEnd type="none" w="sm" len="sm"/>
-          </a:ln>
-        </p:spPr>
-        <p:txBody>
-          <a:bodyPr spcFirstLastPara="1" wrap="square" lIns="68575" tIns="34275" rIns="68575" bIns="34275" anchor="ctr" anchorCtr="0">
-            <a:noAutofit/>
-          </a:bodyPr>
-          <a:lstStyle/>
-          <a:p>
-            <a:pPr marL="0" marR="0" lvl="0" indent="0" algn="ctr" rtl="0">
-              <a:spcBef>
-                <a:spcPts val="0"/>
-              </a:spcBef>
-              <a:spcAft>
-                <a:spcPts val="0"/>
-              </a:spcAft>
-              <a:buNone/>
-            </a:pPr>
-            <a:r>
-              <a:rPr lang="en" sz="1200" dirty="0"/>
-              <a:t>AlphaFold3 / ESM3</a:t>
-            </a:r>
-            <a:endParaRPr sz="1100" dirty="0"/>
-          </a:p>
-        </p:txBody>
-      </p:sp>
-      <p:cxnSp>
-        <p:nvCxnSpPr>
-          <p:cNvPr id="7" name="Straight Arrow Connector 6">
-            <a:extLst>
-              <a:ext uri="{FF2B5EF4-FFF2-40B4-BE49-F238E27FC236}">
-                <a16:creationId xmlns:a16="http://schemas.microsoft.com/office/drawing/2014/main" id="{BF33E7B7-77C9-4247-118A-BA90FB4E058B}"/>
-              </a:ext>
-            </a:extLst>
-          </p:cNvPr>
-          <p:cNvCxnSpPr>
-            <a:cxnSpLocks/>
-            <a:stCxn id="3" idx="2"/>
-            <a:endCxn id="4" idx="0"/>
-          </p:cNvCxnSpPr>
-          <p:nvPr/>
-        </p:nvCxnSpPr>
-        <p:spPr>
-          <a:xfrm>
-            <a:off x="5111020" y="3739775"/>
-            <a:ext cx="0" cy="405214"/>
-          </a:xfrm>
-          <a:prstGeom prst="straightConnector1">
-            <a:avLst/>
-          </a:prstGeom>
-          <a:ln w="38100">
+        </p:grpSpPr>
+        <p:sp>
+          <p:nvSpPr>
+            <p:cNvPr id="2" name="Google Shape;240;p41">
+              <a:extLst>
+                <a:ext uri="{FF2B5EF4-FFF2-40B4-BE49-F238E27FC236}">
+                  <a16:creationId xmlns:a16="http://schemas.microsoft.com/office/drawing/2014/main" id="{E406E196-9177-1C66-5AF1-5880F4A20C77}"/>
+                </a:ext>
+              </a:extLst>
+            </p:cNvPr>
+            <p:cNvSpPr/>
+            <p:nvPr/>
+          </p:nvSpPr>
+          <p:spPr>
+            <a:xfrm>
+              <a:off x="3645023" y="3138519"/>
+              <a:ext cx="2931993" cy="300628"/>
+            </a:xfrm>
+            <a:prstGeom prst="rect">
+              <a:avLst/>
+            </a:prstGeom>
             <a:solidFill>
               <a:srgbClr val="005035"/>
             </a:solidFill>
-            <a:tailEnd type="triangle"/>
-          </a:ln>
-        </p:spPr>
-        <p:style>
-          <a:lnRef idx="2">
-            <a:schemeClr val="accent1"/>
-          </a:lnRef>
-          <a:fillRef idx="0">
-            <a:schemeClr val="accent1"/>
-          </a:fillRef>
-          <a:effectRef idx="1">
-            <a:schemeClr val="accent1"/>
-          </a:effectRef>
-          <a:fontRef idx="minor">
-            <a:schemeClr val="tx1"/>
-          </a:fontRef>
-        </p:style>
-      </p:cxnSp>
-      <p:sp>
-        <p:nvSpPr>
-          <p:cNvPr id="9" name="Google Shape;240;p41">
-            <a:extLst>
-              <a:ext uri="{FF2B5EF4-FFF2-40B4-BE49-F238E27FC236}">
-                <a16:creationId xmlns:a16="http://schemas.microsoft.com/office/drawing/2014/main" id="{62082D9D-2D3C-0389-D159-5DDF833FAD4D}"/>
-              </a:ext>
-            </a:extLst>
-          </p:cNvPr>
-          <p:cNvSpPr/>
-          <p:nvPr/>
-        </p:nvSpPr>
-        <p:spPr>
-          <a:xfrm>
-            <a:off x="7021632" y="3138519"/>
-            <a:ext cx="2931993" cy="300628"/>
-          </a:xfrm>
-          <a:prstGeom prst="rect">
-            <a:avLst/>
-          </a:prstGeom>
-          <a:solidFill>
-            <a:srgbClr val="005035"/>
-          </a:solidFill>
-          <a:ln w="19050" cap="flat" cmpd="sng">
+            <a:ln w="19050" cap="flat" cmpd="sng">
+              <a:solidFill>
+                <a:schemeClr val="lt1"/>
+              </a:solidFill>
+              <a:prstDash val="solid"/>
+              <a:miter lim="800000"/>
+              <a:headEnd type="none" w="sm" len="sm"/>
+              <a:tailEnd type="none" w="sm" len="sm"/>
+            </a:ln>
+          </p:spPr>
+          <p:txBody>
+            <a:bodyPr spcFirstLastPara="1" wrap="square" lIns="68575" tIns="34275" rIns="68575" bIns="34275" anchor="ctr" anchorCtr="0">
+              <a:noAutofit/>
+            </a:bodyPr>
+            <a:lstStyle/>
+            <a:p>
+              <a:pPr marL="0" marR="0" lvl="0" indent="0" algn="ctr" rtl="0">
+                <a:spcBef>
+                  <a:spcPts val="0"/>
+                </a:spcBef>
+                <a:spcAft>
+                  <a:spcPts val="0"/>
+                </a:spcAft>
+                <a:buNone/>
+              </a:pPr>
+              <a:r>
+                <a:rPr lang="en" sz="1200" dirty="0" err="1">
+                  <a:solidFill>
+                    <a:schemeClr val="lt1"/>
+                  </a:solidFill>
+                </a:rPr>
+                <a:t>Fv</a:t>
+              </a:r>
+              <a:r>
+                <a:rPr lang="en" sz="1200" dirty="0">
+                  <a:solidFill>
+                    <a:schemeClr val="lt1"/>
+                  </a:solidFill>
+                </a:rPr>
+                <a:t> Sequence Diffusion</a:t>
+              </a:r>
+              <a:endParaRPr sz="1100" dirty="0"/>
+            </a:p>
+          </p:txBody>
+        </p:sp>
+        <p:sp>
+          <p:nvSpPr>
+            <p:cNvPr id="3" name="Google Shape;240;p41">
+              <a:extLst>
+                <a:ext uri="{FF2B5EF4-FFF2-40B4-BE49-F238E27FC236}">
+                  <a16:creationId xmlns:a16="http://schemas.microsoft.com/office/drawing/2014/main" id="{1AAEFF79-D14C-ACBB-364D-77EF852335B9}"/>
+                </a:ext>
+              </a:extLst>
+            </p:cNvPr>
+            <p:cNvSpPr/>
+            <p:nvPr/>
+          </p:nvSpPr>
+          <p:spPr>
+            <a:xfrm>
+              <a:off x="3645023" y="3439147"/>
+              <a:ext cx="2931993" cy="300628"/>
+            </a:xfrm>
+            <a:prstGeom prst="rect">
+              <a:avLst/>
+            </a:prstGeom>
             <a:solidFill>
-              <a:schemeClr val="lt1"/>
+              <a:srgbClr val="A49665"/>
             </a:solidFill>
-            <a:prstDash val="solid"/>
-            <a:miter lim="800000"/>
-            <a:headEnd type="none" w="sm" len="sm"/>
-            <a:tailEnd type="none" w="sm" len="sm"/>
-          </a:ln>
-        </p:spPr>
-        <p:txBody>
-          <a:bodyPr spcFirstLastPara="1" wrap="square" lIns="68575" tIns="34275" rIns="68575" bIns="34275" anchor="ctr" anchorCtr="0">
-            <a:noAutofit/>
-          </a:bodyPr>
-          <a:lstStyle/>
-          <a:p>
-            <a:pPr marL="0" marR="0" lvl="0" indent="0" algn="ctr" rtl="0">
-              <a:spcBef>
-                <a:spcPts val="0"/>
-              </a:spcBef>
-              <a:spcAft>
-                <a:spcPts val="0"/>
-              </a:spcAft>
-              <a:buNone/>
-            </a:pPr>
-            <a:r>
-              <a:rPr lang="en" sz="1200" dirty="0">
-                <a:solidFill>
-                  <a:schemeClr val="lt1"/>
-                </a:solidFill>
-              </a:rPr>
-              <a:t>Antibody-Antigen Docking</a:t>
-            </a:r>
-            <a:endParaRPr sz="1100" dirty="0"/>
-          </a:p>
-        </p:txBody>
-      </p:sp>
-      <p:sp>
-        <p:nvSpPr>
-          <p:cNvPr id="10" name="Google Shape;240;p41">
-            <a:extLst>
-              <a:ext uri="{FF2B5EF4-FFF2-40B4-BE49-F238E27FC236}">
-                <a16:creationId xmlns:a16="http://schemas.microsoft.com/office/drawing/2014/main" id="{C9F5C6EC-238A-4024-A68D-D3ABF75105C4}"/>
-              </a:ext>
-            </a:extLst>
-          </p:cNvPr>
-          <p:cNvSpPr/>
-          <p:nvPr/>
-        </p:nvSpPr>
-        <p:spPr>
-          <a:xfrm>
-            <a:off x="7021630" y="3432213"/>
-            <a:ext cx="2931993" cy="300628"/>
-          </a:xfrm>
-          <a:prstGeom prst="rect">
-            <a:avLst/>
-          </a:prstGeom>
-          <a:solidFill>
-            <a:srgbClr val="A49665"/>
-          </a:solidFill>
-          <a:ln w="19050" cap="flat" cmpd="sng">
-            <a:solidFill>
-              <a:schemeClr val="lt1"/>
-            </a:solidFill>
-            <a:prstDash val="solid"/>
-            <a:miter lim="800000"/>
-            <a:headEnd type="none" w="sm" len="sm"/>
-            <a:tailEnd type="none" w="sm" len="sm"/>
-          </a:ln>
-        </p:spPr>
-        <p:txBody>
-          <a:bodyPr spcFirstLastPara="1" wrap="square" lIns="68575" tIns="34275" rIns="68575" bIns="34275" anchor="ctr" anchorCtr="0">
-            <a:noAutofit/>
-          </a:bodyPr>
-          <a:lstStyle/>
-          <a:p>
-            <a:pPr marL="0" marR="0" lvl="0" indent="0" algn="ctr" rtl="0">
-              <a:spcBef>
-                <a:spcPts val="0"/>
-              </a:spcBef>
-              <a:spcAft>
-                <a:spcPts val="0"/>
-              </a:spcAft>
-              <a:buNone/>
-            </a:pPr>
-            <a:r>
-              <a:rPr lang="en" sz="1200" dirty="0"/>
-              <a:t>HADDOCK3</a:t>
-            </a:r>
-            <a:endParaRPr sz="1100" dirty="0"/>
-          </a:p>
-        </p:txBody>
-      </p:sp>
-      <p:cxnSp>
-        <p:nvCxnSpPr>
-          <p:cNvPr id="12" name="Elbow Connector 11">
-            <a:extLst>
-              <a:ext uri="{FF2B5EF4-FFF2-40B4-BE49-F238E27FC236}">
-                <a16:creationId xmlns:a16="http://schemas.microsoft.com/office/drawing/2014/main" id="{E87D35C3-A28B-7526-FC0D-36E8A52AE1F8}"/>
-              </a:ext>
-            </a:extLst>
-          </p:cNvPr>
-          <p:cNvCxnSpPr>
-            <a:cxnSpLocks/>
-            <a:stCxn id="4" idx="3"/>
-            <a:endCxn id="9" idx="1"/>
-          </p:cNvCxnSpPr>
-          <p:nvPr/>
-        </p:nvCxnSpPr>
-        <p:spPr>
-          <a:xfrm flipV="1">
-            <a:off x="6577016" y="3288833"/>
-            <a:ext cx="444616" cy="1006470"/>
-          </a:xfrm>
-          <a:prstGeom prst="bentConnector3">
-            <a:avLst>
-              <a:gd name="adj1" fmla="val 50000"/>
-            </a:avLst>
-          </a:prstGeom>
-          <a:ln w="38100">
+            <a:ln w="19050" cap="flat" cmpd="sng">
+              <a:solidFill>
+                <a:schemeClr val="lt1"/>
+              </a:solidFill>
+              <a:prstDash val="solid"/>
+              <a:miter lim="800000"/>
+              <a:headEnd type="none" w="sm" len="sm"/>
+              <a:tailEnd type="none" w="sm" len="sm"/>
+            </a:ln>
+          </p:spPr>
+          <p:txBody>
+            <a:bodyPr spcFirstLastPara="1" wrap="square" lIns="68575" tIns="34275" rIns="68575" bIns="34275" anchor="ctr" anchorCtr="0">
+              <a:noAutofit/>
+            </a:bodyPr>
+            <a:lstStyle/>
+            <a:p>
+              <a:pPr marL="0" marR="0" lvl="0" indent="0" algn="ctr" rtl="0">
+                <a:spcBef>
+                  <a:spcPts val="0"/>
+                </a:spcBef>
+                <a:spcAft>
+                  <a:spcPts val="0"/>
+                </a:spcAft>
+                <a:buNone/>
+              </a:pPr>
+              <a:r>
+                <a:rPr lang="en" sz="1200" dirty="0" err="1"/>
+                <a:t>EvoDiff</a:t>
+              </a:r>
+              <a:endParaRPr sz="1100" dirty="0"/>
+            </a:p>
+          </p:txBody>
+        </p:sp>
+        <p:sp>
+          <p:nvSpPr>
+            <p:cNvPr id="4" name="Google Shape;240;p41">
+              <a:extLst>
+                <a:ext uri="{FF2B5EF4-FFF2-40B4-BE49-F238E27FC236}">
+                  <a16:creationId xmlns:a16="http://schemas.microsoft.com/office/drawing/2014/main" id="{B92BC7BE-82F4-F8CD-9445-FF22F40CFF74}"/>
+                </a:ext>
+              </a:extLst>
+            </p:cNvPr>
+            <p:cNvSpPr/>
+            <p:nvPr/>
+          </p:nvSpPr>
+          <p:spPr>
+            <a:xfrm>
+              <a:off x="3645023" y="4144989"/>
+              <a:ext cx="2931993" cy="300628"/>
+            </a:xfrm>
+            <a:prstGeom prst="rect">
+              <a:avLst/>
+            </a:prstGeom>
             <a:solidFill>
               <a:srgbClr val="005035"/>
             </a:solidFill>
-            <a:tailEnd type="triangle"/>
-          </a:ln>
-        </p:spPr>
-        <p:style>
-          <a:lnRef idx="2">
-            <a:schemeClr val="accent1"/>
-          </a:lnRef>
-          <a:fillRef idx="0">
-            <a:schemeClr val="accent1"/>
-          </a:fillRef>
-          <a:effectRef idx="1">
-            <a:schemeClr val="accent1"/>
-          </a:effectRef>
-          <a:fontRef idx="minor">
-            <a:schemeClr val="tx1"/>
-          </a:fontRef>
-        </p:style>
-      </p:cxnSp>
-      <p:sp>
-        <p:nvSpPr>
-          <p:cNvPr id="13" name="Google Shape;240;p41">
-            <a:extLst>
-              <a:ext uri="{FF2B5EF4-FFF2-40B4-BE49-F238E27FC236}">
-                <a16:creationId xmlns:a16="http://schemas.microsoft.com/office/drawing/2014/main" id="{7D3E8607-53F5-E8A1-3B7D-F290E05634EF}"/>
-              </a:ext>
-            </a:extLst>
-          </p:cNvPr>
-          <p:cNvSpPr/>
-          <p:nvPr/>
-        </p:nvSpPr>
-        <p:spPr>
-          <a:xfrm>
-            <a:off x="3645023" y="2128894"/>
-            <a:ext cx="2931993" cy="300628"/>
-          </a:xfrm>
-          <a:prstGeom prst="rect">
-            <a:avLst/>
-          </a:prstGeom>
-          <a:solidFill>
-            <a:srgbClr val="005035"/>
-          </a:solidFill>
-          <a:ln w="19050" cap="flat" cmpd="sng">
+            <a:ln w="19050" cap="flat" cmpd="sng">
+              <a:solidFill>
+                <a:schemeClr val="lt1"/>
+              </a:solidFill>
+              <a:prstDash val="solid"/>
+              <a:miter lim="800000"/>
+              <a:headEnd type="none" w="sm" len="sm"/>
+              <a:tailEnd type="none" w="sm" len="sm"/>
+            </a:ln>
+          </p:spPr>
+          <p:txBody>
+            <a:bodyPr spcFirstLastPara="1" wrap="square" lIns="68575" tIns="34275" rIns="68575" bIns="34275" anchor="ctr" anchorCtr="0">
+              <a:noAutofit/>
+            </a:bodyPr>
+            <a:lstStyle/>
+            <a:p>
+              <a:pPr marL="0" marR="0" lvl="0" indent="0" algn="ctr" rtl="0">
+                <a:spcBef>
+                  <a:spcPts val="0"/>
+                </a:spcBef>
+                <a:spcAft>
+                  <a:spcPts val="0"/>
+                </a:spcAft>
+                <a:buNone/>
+              </a:pPr>
+              <a:r>
+                <a:rPr lang="en" sz="1200" dirty="0">
+                  <a:solidFill>
+                    <a:schemeClr val="lt1"/>
+                  </a:solidFill>
+                </a:rPr>
+                <a:t>Structure Prediction</a:t>
+              </a:r>
+              <a:endParaRPr sz="1100" dirty="0"/>
+            </a:p>
+          </p:txBody>
+        </p:sp>
+        <p:sp>
+          <p:nvSpPr>
+            <p:cNvPr id="5" name="Google Shape;240;p41">
+              <a:extLst>
+                <a:ext uri="{FF2B5EF4-FFF2-40B4-BE49-F238E27FC236}">
+                  <a16:creationId xmlns:a16="http://schemas.microsoft.com/office/drawing/2014/main" id="{B38CCAEC-DEAD-95A3-2B46-CB9435B97125}"/>
+                </a:ext>
+              </a:extLst>
+            </p:cNvPr>
+            <p:cNvSpPr/>
+            <p:nvPr/>
+          </p:nvSpPr>
+          <p:spPr>
+            <a:xfrm>
+              <a:off x="3645022" y="4445617"/>
+              <a:ext cx="2931993" cy="300628"/>
+            </a:xfrm>
+            <a:prstGeom prst="rect">
+              <a:avLst/>
+            </a:prstGeom>
             <a:solidFill>
-              <a:schemeClr val="lt1"/>
+              <a:srgbClr val="A49665"/>
             </a:solidFill>
-            <a:prstDash val="solid"/>
-            <a:miter lim="800000"/>
-            <a:headEnd type="none" w="sm" len="sm"/>
-            <a:tailEnd type="none" w="sm" len="sm"/>
-          </a:ln>
-        </p:spPr>
-        <p:txBody>
-          <a:bodyPr spcFirstLastPara="1" wrap="square" lIns="68575" tIns="34275" rIns="68575" bIns="34275" anchor="ctr" anchorCtr="0">
-            <a:noAutofit/>
-          </a:bodyPr>
-          <a:lstStyle/>
-          <a:p>
-            <a:pPr marL="0" marR="0" lvl="0" indent="0" algn="ctr" rtl="0">
-              <a:spcBef>
-                <a:spcPts val="0"/>
-              </a:spcBef>
-              <a:spcAft>
-                <a:spcPts val="0"/>
-              </a:spcAft>
-              <a:buNone/>
-            </a:pPr>
-            <a:r>
-              <a:rPr lang="en" sz="1200" dirty="0">
-                <a:solidFill>
-                  <a:schemeClr val="lt1"/>
-                </a:solidFill>
-              </a:rPr>
-              <a:t>Reference Sequence Alignment</a:t>
-            </a:r>
-            <a:endParaRPr sz="1100" dirty="0"/>
-          </a:p>
-        </p:txBody>
-      </p:sp>
-      <p:sp>
-        <p:nvSpPr>
-          <p:cNvPr id="14" name="Google Shape;240;p41">
-            <a:extLst>
-              <a:ext uri="{FF2B5EF4-FFF2-40B4-BE49-F238E27FC236}">
-                <a16:creationId xmlns:a16="http://schemas.microsoft.com/office/drawing/2014/main" id="{9B368D37-EE39-0779-DF56-13E10B61731C}"/>
-              </a:ext>
-            </a:extLst>
-          </p:cNvPr>
-          <p:cNvSpPr/>
-          <p:nvPr/>
-        </p:nvSpPr>
-        <p:spPr>
-          <a:xfrm>
-            <a:off x="3645023" y="2429522"/>
-            <a:ext cx="2931993" cy="300628"/>
-          </a:xfrm>
-          <a:prstGeom prst="rect">
-            <a:avLst/>
-          </a:prstGeom>
-          <a:solidFill>
-            <a:srgbClr val="A49665"/>
-          </a:solidFill>
-          <a:ln w="19050" cap="flat" cmpd="sng">
-            <a:solidFill>
-              <a:schemeClr val="lt1"/>
-            </a:solidFill>
-            <a:prstDash val="solid"/>
-            <a:miter lim="800000"/>
-            <a:headEnd type="none" w="sm" len="sm"/>
-            <a:tailEnd type="none" w="sm" len="sm"/>
-          </a:ln>
-        </p:spPr>
-        <p:txBody>
-          <a:bodyPr spcFirstLastPara="1" wrap="square" lIns="68575" tIns="34275" rIns="68575" bIns="34275" anchor="ctr" anchorCtr="0">
-            <a:noAutofit/>
-          </a:bodyPr>
-          <a:lstStyle/>
-          <a:p>
-            <a:pPr marL="0" marR="0" lvl="0" indent="0" algn="ctr" rtl="0">
-              <a:spcBef>
-                <a:spcPts val="0"/>
-              </a:spcBef>
-              <a:spcAft>
-                <a:spcPts val="0"/>
-              </a:spcAft>
-              <a:buNone/>
-            </a:pPr>
-            <a:r>
-              <a:rPr lang="en" sz="1200" dirty="0"/>
-              <a:t>MUSCLE</a:t>
-            </a:r>
-            <a:endParaRPr sz="1100" dirty="0"/>
-          </a:p>
-        </p:txBody>
-      </p:sp>
-      <p:cxnSp>
-        <p:nvCxnSpPr>
-          <p:cNvPr id="17" name="Straight Arrow Connector 16">
-            <a:extLst>
-              <a:ext uri="{FF2B5EF4-FFF2-40B4-BE49-F238E27FC236}">
-                <a16:creationId xmlns:a16="http://schemas.microsoft.com/office/drawing/2014/main" id="{E28DDD93-267F-5152-8527-EAB0FF3E3064}"/>
-              </a:ext>
-            </a:extLst>
-          </p:cNvPr>
-          <p:cNvCxnSpPr>
-            <a:cxnSpLocks/>
-            <a:stCxn id="14" idx="2"/>
-            <a:endCxn id="2" idx="0"/>
-          </p:cNvCxnSpPr>
-          <p:nvPr/>
-        </p:nvCxnSpPr>
-        <p:spPr>
-          <a:xfrm>
-            <a:off x="5111020" y="2730150"/>
-            <a:ext cx="0" cy="408369"/>
-          </a:xfrm>
-          <a:prstGeom prst="straightConnector1">
-            <a:avLst/>
-          </a:prstGeom>
-          <a:ln w="38100">
+            <a:ln w="19050" cap="flat" cmpd="sng">
+              <a:solidFill>
+                <a:schemeClr val="lt1"/>
+              </a:solidFill>
+              <a:prstDash val="solid"/>
+              <a:miter lim="800000"/>
+              <a:headEnd type="none" w="sm" len="sm"/>
+              <a:tailEnd type="none" w="sm" len="sm"/>
+            </a:ln>
+          </p:spPr>
+          <p:txBody>
+            <a:bodyPr spcFirstLastPara="1" wrap="square" lIns="68575" tIns="34275" rIns="68575" bIns="34275" anchor="ctr" anchorCtr="0">
+              <a:noAutofit/>
+            </a:bodyPr>
+            <a:lstStyle/>
+            <a:p>
+              <a:pPr marL="0" marR="0" lvl="0" indent="0" algn="ctr" rtl="0">
+                <a:spcBef>
+                  <a:spcPts val="0"/>
+                </a:spcBef>
+                <a:spcAft>
+                  <a:spcPts val="0"/>
+                </a:spcAft>
+                <a:buNone/>
+              </a:pPr>
+              <a:r>
+                <a:rPr lang="en" sz="1200" dirty="0"/>
+                <a:t>AlphaFold3 / ESM3</a:t>
+              </a:r>
+              <a:endParaRPr sz="1100" dirty="0"/>
+            </a:p>
+          </p:txBody>
+        </p:sp>
+        <p:cxnSp>
+          <p:nvCxnSpPr>
+            <p:cNvPr id="7" name="Straight Arrow Connector 6">
+              <a:extLst>
+                <a:ext uri="{FF2B5EF4-FFF2-40B4-BE49-F238E27FC236}">
+                  <a16:creationId xmlns:a16="http://schemas.microsoft.com/office/drawing/2014/main" id="{BF33E7B7-77C9-4247-118A-BA90FB4E058B}"/>
+                </a:ext>
+              </a:extLst>
+            </p:cNvPr>
+            <p:cNvCxnSpPr>
+              <a:cxnSpLocks/>
+              <a:stCxn id="3" idx="2"/>
+              <a:endCxn id="4" idx="0"/>
+            </p:cNvCxnSpPr>
+            <p:nvPr/>
+          </p:nvCxnSpPr>
+          <p:spPr>
+            <a:xfrm>
+              <a:off x="5111020" y="3739775"/>
+              <a:ext cx="0" cy="405214"/>
+            </a:xfrm>
+            <a:prstGeom prst="straightConnector1">
+              <a:avLst/>
+            </a:prstGeom>
+            <a:ln w="38100">
+              <a:solidFill>
+                <a:srgbClr val="005035"/>
+              </a:solidFill>
+              <a:tailEnd type="triangle"/>
+            </a:ln>
+          </p:spPr>
+          <p:style>
+            <a:lnRef idx="2">
+              <a:schemeClr val="accent1"/>
+            </a:lnRef>
+            <a:fillRef idx="0">
+              <a:schemeClr val="accent1"/>
+            </a:fillRef>
+            <a:effectRef idx="1">
+              <a:schemeClr val="accent1"/>
+            </a:effectRef>
+            <a:fontRef idx="minor">
+              <a:schemeClr val="tx1"/>
+            </a:fontRef>
+          </p:style>
+        </p:cxnSp>
+        <p:sp>
+          <p:nvSpPr>
+            <p:cNvPr id="9" name="Google Shape;240;p41">
+              <a:extLst>
+                <a:ext uri="{FF2B5EF4-FFF2-40B4-BE49-F238E27FC236}">
+                  <a16:creationId xmlns:a16="http://schemas.microsoft.com/office/drawing/2014/main" id="{62082D9D-2D3C-0389-D159-5DDF833FAD4D}"/>
+                </a:ext>
+              </a:extLst>
+            </p:cNvPr>
+            <p:cNvSpPr/>
+            <p:nvPr/>
+          </p:nvSpPr>
+          <p:spPr>
+            <a:xfrm>
+              <a:off x="7021632" y="3138519"/>
+              <a:ext cx="2931993" cy="300628"/>
+            </a:xfrm>
+            <a:prstGeom prst="rect">
+              <a:avLst/>
+            </a:prstGeom>
             <a:solidFill>
               <a:srgbClr val="005035"/>
             </a:solidFill>
-            <a:tailEnd type="triangle"/>
-          </a:ln>
-        </p:spPr>
-        <p:style>
-          <a:lnRef idx="2">
-            <a:schemeClr val="accent1"/>
-          </a:lnRef>
-          <a:fillRef idx="0">
-            <a:schemeClr val="accent1"/>
-          </a:fillRef>
-          <a:effectRef idx="1">
-            <a:schemeClr val="accent1"/>
-          </a:effectRef>
-          <a:fontRef idx="minor">
-            <a:schemeClr val="tx1"/>
-          </a:fontRef>
-        </p:style>
-      </p:cxnSp>
-      <p:sp>
-        <p:nvSpPr>
-          <p:cNvPr id="20" name="Google Shape;240;p41">
-            <a:extLst>
-              <a:ext uri="{FF2B5EF4-FFF2-40B4-BE49-F238E27FC236}">
-                <a16:creationId xmlns:a16="http://schemas.microsoft.com/office/drawing/2014/main" id="{7B2B22C5-C693-2569-6993-3D4622E58993}"/>
-              </a:ext>
-            </a:extLst>
-          </p:cNvPr>
-          <p:cNvSpPr/>
-          <p:nvPr/>
-        </p:nvSpPr>
-        <p:spPr>
-          <a:xfrm>
-            <a:off x="7021633" y="4144989"/>
-            <a:ext cx="1423379" cy="300628"/>
-          </a:xfrm>
-          <a:prstGeom prst="rect">
-            <a:avLst/>
-          </a:prstGeom>
-          <a:solidFill>
-            <a:srgbClr val="007377"/>
-          </a:solidFill>
-          <a:ln w="19050" cap="flat" cmpd="sng">
+            <a:ln w="19050" cap="flat" cmpd="sng">
+              <a:solidFill>
+                <a:schemeClr val="lt1"/>
+              </a:solidFill>
+              <a:prstDash val="solid"/>
+              <a:miter lim="800000"/>
+              <a:headEnd type="none" w="sm" len="sm"/>
+              <a:tailEnd type="none" w="sm" len="sm"/>
+            </a:ln>
+          </p:spPr>
+          <p:txBody>
+            <a:bodyPr spcFirstLastPara="1" wrap="square" lIns="68575" tIns="34275" rIns="68575" bIns="34275" anchor="ctr" anchorCtr="0">
+              <a:noAutofit/>
+            </a:bodyPr>
+            <a:lstStyle/>
+            <a:p>
+              <a:pPr marL="0" marR="0" lvl="0" indent="0" algn="ctr" rtl="0">
+                <a:spcBef>
+                  <a:spcPts val="0"/>
+                </a:spcBef>
+                <a:spcAft>
+                  <a:spcPts val="0"/>
+                </a:spcAft>
+                <a:buNone/>
+              </a:pPr>
+              <a:r>
+                <a:rPr lang="en" sz="1200" dirty="0">
+                  <a:solidFill>
+                    <a:schemeClr val="lt1"/>
+                  </a:solidFill>
+                </a:rPr>
+                <a:t>Antibody-Antigen Docking</a:t>
+              </a:r>
+              <a:endParaRPr sz="1100" dirty="0"/>
+            </a:p>
+          </p:txBody>
+        </p:sp>
+        <p:sp>
+          <p:nvSpPr>
+            <p:cNvPr id="10" name="Google Shape;240;p41">
+              <a:extLst>
+                <a:ext uri="{FF2B5EF4-FFF2-40B4-BE49-F238E27FC236}">
+                  <a16:creationId xmlns:a16="http://schemas.microsoft.com/office/drawing/2014/main" id="{C9F5C6EC-238A-4024-A68D-D3ABF75105C4}"/>
+                </a:ext>
+              </a:extLst>
+            </p:cNvPr>
+            <p:cNvSpPr/>
+            <p:nvPr/>
+          </p:nvSpPr>
+          <p:spPr>
+            <a:xfrm>
+              <a:off x="7021630" y="3432213"/>
+              <a:ext cx="2931993" cy="300628"/>
+            </a:xfrm>
+            <a:prstGeom prst="rect">
+              <a:avLst/>
+            </a:prstGeom>
             <a:solidFill>
-              <a:schemeClr val="lt1"/>
+              <a:srgbClr val="A49665"/>
             </a:solidFill>
-            <a:prstDash val="solid"/>
-            <a:miter lim="800000"/>
-            <a:headEnd type="none" w="sm" len="sm"/>
-            <a:tailEnd type="none" w="sm" len="sm"/>
-          </a:ln>
-        </p:spPr>
-        <p:txBody>
-          <a:bodyPr spcFirstLastPara="1" wrap="square" lIns="68575" tIns="34275" rIns="68575" bIns="34275" anchor="ctr" anchorCtr="0">
-            <a:noAutofit/>
-          </a:bodyPr>
-          <a:lstStyle/>
-          <a:p>
-            <a:pPr marL="0" marR="0" lvl="0" indent="0" algn="ctr" rtl="0">
-              <a:spcBef>
-                <a:spcPts val="0"/>
-              </a:spcBef>
-              <a:spcAft>
-                <a:spcPts val="0"/>
-              </a:spcAft>
-              <a:buNone/>
-            </a:pPr>
-            <a:r>
-              <a:rPr lang="en" sz="1200" dirty="0">
-                <a:solidFill>
-                  <a:schemeClr val="lt1"/>
-                </a:solidFill>
-              </a:rPr>
-              <a:t>Report Generation</a:t>
-            </a:r>
-            <a:endParaRPr sz="1100" dirty="0"/>
-          </a:p>
-        </p:txBody>
-      </p:sp>
-      <p:sp>
-        <p:nvSpPr>
-          <p:cNvPr id="21" name="Google Shape;240;p41">
-            <a:extLst>
-              <a:ext uri="{FF2B5EF4-FFF2-40B4-BE49-F238E27FC236}">
-                <a16:creationId xmlns:a16="http://schemas.microsoft.com/office/drawing/2014/main" id="{89865C79-342C-E4C3-54A2-CE7442498952}"/>
-              </a:ext>
-            </a:extLst>
-          </p:cNvPr>
-          <p:cNvSpPr/>
-          <p:nvPr/>
-        </p:nvSpPr>
-        <p:spPr>
-          <a:xfrm>
-            <a:off x="7021632" y="4445616"/>
-            <a:ext cx="1423379" cy="300628"/>
-          </a:xfrm>
-          <a:prstGeom prst="rect">
-            <a:avLst/>
-          </a:prstGeom>
-          <a:solidFill>
-            <a:schemeClr val="bg1">
-              <a:lumMod val="75000"/>
-            </a:schemeClr>
-          </a:solidFill>
-          <a:ln w="19050" cap="flat" cmpd="sng">
-            <a:solidFill>
-              <a:schemeClr val="lt1"/>
-            </a:solidFill>
-            <a:prstDash val="solid"/>
-            <a:miter lim="800000"/>
-            <a:headEnd type="none" w="sm" len="sm"/>
-            <a:tailEnd type="none" w="sm" len="sm"/>
-          </a:ln>
-        </p:spPr>
-        <p:txBody>
-          <a:bodyPr spcFirstLastPara="1" wrap="square" lIns="68575" tIns="34275" rIns="68575" bIns="34275" anchor="ctr" anchorCtr="0">
-            <a:noAutofit/>
-          </a:bodyPr>
-          <a:lstStyle/>
-          <a:p>
-            <a:pPr marL="0" marR="0" lvl="0" indent="0" algn="ctr" rtl="0">
-              <a:spcBef>
-                <a:spcPts val="0"/>
-              </a:spcBef>
-              <a:spcAft>
-                <a:spcPts val="0"/>
-              </a:spcAft>
-              <a:buNone/>
-            </a:pPr>
-            <a:r>
-              <a:rPr lang="en" sz="1200" dirty="0"/>
-              <a:t>Quarto .HTML</a:t>
-            </a:r>
-            <a:endParaRPr sz="1100" dirty="0"/>
-          </a:p>
-        </p:txBody>
-      </p:sp>
-      <p:sp>
-        <p:nvSpPr>
-          <p:cNvPr id="43" name="Google Shape;240;p41">
-            <a:extLst>
-              <a:ext uri="{FF2B5EF4-FFF2-40B4-BE49-F238E27FC236}">
-                <a16:creationId xmlns:a16="http://schemas.microsoft.com/office/drawing/2014/main" id="{BA06AF7E-333B-5AE1-1DBB-882590C2AA43}"/>
-              </a:ext>
-            </a:extLst>
-          </p:cNvPr>
-          <p:cNvSpPr/>
-          <p:nvPr/>
-        </p:nvSpPr>
-        <p:spPr>
-          <a:xfrm>
-            <a:off x="7021632" y="2125115"/>
-            <a:ext cx="2931993" cy="300628"/>
-          </a:xfrm>
-          <a:prstGeom prst="rect">
-            <a:avLst/>
-          </a:prstGeom>
-          <a:solidFill>
-            <a:srgbClr val="007377"/>
-          </a:solidFill>
-          <a:ln w="19050" cap="flat" cmpd="sng">
-            <a:solidFill>
-              <a:schemeClr val="lt1"/>
-            </a:solidFill>
-            <a:prstDash val="solid"/>
-            <a:miter lim="800000"/>
-            <a:headEnd type="none" w="sm" len="sm"/>
-            <a:tailEnd type="none" w="sm" len="sm"/>
-          </a:ln>
-        </p:spPr>
-        <p:txBody>
-          <a:bodyPr spcFirstLastPara="1" wrap="square" lIns="68575" tIns="34275" rIns="68575" bIns="34275" anchor="ctr" anchorCtr="0">
-            <a:noAutofit/>
-          </a:bodyPr>
-          <a:lstStyle/>
-          <a:p>
-            <a:pPr marL="0" marR="0" lvl="0" indent="0" algn="ctr" rtl="0">
-              <a:spcBef>
-                <a:spcPts val="0"/>
-              </a:spcBef>
-              <a:spcAft>
-                <a:spcPts val="0"/>
-              </a:spcAft>
-              <a:buNone/>
-            </a:pPr>
-            <a:r>
-              <a:rPr lang="en" sz="1200" dirty="0">
-                <a:solidFill>
-                  <a:schemeClr val="lt1"/>
-                </a:solidFill>
-              </a:rPr>
-              <a:t>Antigen Structure Input</a:t>
-            </a:r>
-            <a:endParaRPr sz="1100" dirty="0"/>
-          </a:p>
-        </p:txBody>
-      </p:sp>
-      <p:sp>
-        <p:nvSpPr>
-          <p:cNvPr id="44" name="Google Shape;240;p41">
-            <a:extLst>
-              <a:ext uri="{FF2B5EF4-FFF2-40B4-BE49-F238E27FC236}">
-                <a16:creationId xmlns:a16="http://schemas.microsoft.com/office/drawing/2014/main" id="{9E73114F-6406-3244-A13D-A1261C5F41D1}"/>
-              </a:ext>
-            </a:extLst>
-          </p:cNvPr>
-          <p:cNvSpPr/>
-          <p:nvPr/>
-        </p:nvSpPr>
-        <p:spPr>
-          <a:xfrm>
-            <a:off x="7021632" y="2425743"/>
-            <a:ext cx="2931993" cy="300628"/>
-          </a:xfrm>
-          <a:prstGeom prst="rect">
-            <a:avLst/>
-          </a:prstGeom>
-          <a:solidFill>
-            <a:schemeClr val="bg1">
-              <a:lumMod val="75000"/>
-            </a:schemeClr>
-          </a:solidFill>
-          <a:ln w="19050" cap="flat" cmpd="sng">
-            <a:solidFill>
-              <a:schemeClr val="lt1"/>
-            </a:solidFill>
-            <a:prstDash val="solid"/>
-            <a:miter lim="800000"/>
-            <a:headEnd type="none" w="sm" len="sm"/>
-            <a:tailEnd type="none" w="sm" len="sm"/>
-          </a:ln>
-        </p:spPr>
-        <p:txBody>
-          <a:bodyPr spcFirstLastPara="1" wrap="square" lIns="68575" tIns="34275" rIns="68575" bIns="34275" anchor="ctr" anchorCtr="0">
-            <a:noAutofit/>
-          </a:bodyPr>
-          <a:lstStyle/>
-          <a:p>
-            <a:pPr marL="0" marR="0" lvl="0" indent="0" algn="ctr" rtl="0">
-              <a:spcBef>
-                <a:spcPts val="0"/>
-              </a:spcBef>
-              <a:spcAft>
-                <a:spcPts val="0"/>
-              </a:spcAft>
-              <a:buNone/>
-            </a:pPr>
-            <a:r>
-              <a:rPr lang="en" sz="1200" dirty="0"/>
-              <a:t>Protein Data Bank / Custom .PDB</a:t>
-            </a:r>
-            <a:endParaRPr sz="1100" dirty="0"/>
-          </a:p>
-        </p:txBody>
-      </p:sp>
-      <p:cxnSp>
-        <p:nvCxnSpPr>
-          <p:cNvPr id="45" name="Straight Arrow Connector 44">
-            <a:extLst>
-              <a:ext uri="{FF2B5EF4-FFF2-40B4-BE49-F238E27FC236}">
-                <a16:creationId xmlns:a16="http://schemas.microsoft.com/office/drawing/2014/main" id="{57C97B69-9D9A-9C1B-B416-A0F781CDAE68}"/>
-              </a:ext>
-            </a:extLst>
-          </p:cNvPr>
-          <p:cNvCxnSpPr>
-            <a:cxnSpLocks/>
-            <a:stCxn id="44" idx="2"/>
-            <a:endCxn id="9" idx="0"/>
-          </p:cNvCxnSpPr>
-          <p:nvPr/>
-        </p:nvCxnSpPr>
-        <p:spPr>
-          <a:xfrm>
-            <a:off x="8487629" y="2726371"/>
-            <a:ext cx="0" cy="412148"/>
-          </a:xfrm>
-          <a:prstGeom prst="straightConnector1">
-            <a:avLst/>
-          </a:prstGeom>
-          <a:ln w="38100">
+            <a:ln w="19050" cap="flat" cmpd="sng">
+              <a:solidFill>
+                <a:schemeClr val="lt1"/>
+              </a:solidFill>
+              <a:prstDash val="solid"/>
+              <a:miter lim="800000"/>
+              <a:headEnd type="none" w="sm" len="sm"/>
+              <a:tailEnd type="none" w="sm" len="sm"/>
+            </a:ln>
+          </p:spPr>
+          <p:txBody>
+            <a:bodyPr spcFirstLastPara="1" wrap="square" lIns="68575" tIns="34275" rIns="68575" bIns="34275" anchor="ctr" anchorCtr="0">
+              <a:noAutofit/>
+            </a:bodyPr>
+            <a:lstStyle/>
+            <a:p>
+              <a:pPr marL="0" marR="0" lvl="0" indent="0" algn="ctr" rtl="0">
+                <a:spcBef>
+                  <a:spcPts val="0"/>
+                </a:spcBef>
+                <a:spcAft>
+                  <a:spcPts val="0"/>
+                </a:spcAft>
+                <a:buNone/>
+              </a:pPr>
+              <a:r>
+                <a:rPr lang="en" sz="1200" dirty="0"/>
+                <a:t>HADDOCK3</a:t>
+              </a:r>
+              <a:endParaRPr sz="1100" dirty="0"/>
+            </a:p>
+          </p:txBody>
+        </p:sp>
+        <p:cxnSp>
+          <p:nvCxnSpPr>
+            <p:cNvPr id="12" name="Elbow Connector 11">
+              <a:extLst>
+                <a:ext uri="{FF2B5EF4-FFF2-40B4-BE49-F238E27FC236}">
+                  <a16:creationId xmlns:a16="http://schemas.microsoft.com/office/drawing/2014/main" id="{E87D35C3-A28B-7526-FC0D-36E8A52AE1F8}"/>
+                </a:ext>
+              </a:extLst>
+            </p:cNvPr>
+            <p:cNvCxnSpPr>
+              <a:cxnSpLocks/>
+              <a:stCxn id="4" idx="3"/>
+              <a:endCxn id="9" idx="1"/>
+            </p:cNvCxnSpPr>
+            <p:nvPr/>
+          </p:nvCxnSpPr>
+          <p:spPr>
+            <a:xfrm flipV="1">
+              <a:off x="6577016" y="3288833"/>
+              <a:ext cx="444616" cy="1006470"/>
+            </a:xfrm>
+            <a:prstGeom prst="bentConnector3">
+              <a:avLst>
+                <a:gd name="adj1" fmla="val 50000"/>
+              </a:avLst>
+            </a:prstGeom>
+            <a:ln w="38100">
+              <a:solidFill>
+                <a:srgbClr val="005035"/>
+              </a:solidFill>
+              <a:tailEnd type="triangle"/>
+            </a:ln>
+          </p:spPr>
+          <p:style>
+            <a:lnRef idx="2">
+              <a:schemeClr val="accent1"/>
+            </a:lnRef>
+            <a:fillRef idx="0">
+              <a:schemeClr val="accent1"/>
+            </a:fillRef>
+            <a:effectRef idx="1">
+              <a:schemeClr val="accent1"/>
+            </a:effectRef>
+            <a:fontRef idx="minor">
+              <a:schemeClr val="tx1"/>
+            </a:fontRef>
+          </p:style>
+        </p:cxnSp>
+        <p:sp>
+          <p:nvSpPr>
+            <p:cNvPr id="13" name="Google Shape;240;p41">
+              <a:extLst>
+                <a:ext uri="{FF2B5EF4-FFF2-40B4-BE49-F238E27FC236}">
+                  <a16:creationId xmlns:a16="http://schemas.microsoft.com/office/drawing/2014/main" id="{7D3E8607-53F5-E8A1-3B7D-F290E05634EF}"/>
+                </a:ext>
+              </a:extLst>
+            </p:cNvPr>
+            <p:cNvSpPr/>
+            <p:nvPr/>
+          </p:nvSpPr>
+          <p:spPr>
+            <a:xfrm>
+              <a:off x="3645023" y="2128894"/>
+              <a:ext cx="2931993" cy="300628"/>
+            </a:xfrm>
+            <a:prstGeom prst="rect">
+              <a:avLst/>
+            </a:prstGeom>
             <a:solidFill>
               <a:srgbClr val="005035"/>
             </a:solidFill>
-            <a:tailEnd type="triangle"/>
-          </a:ln>
-        </p:spPr>
-        <p:style>
-          <a:lnRef idx="2">
-            <a:schemeClr val="accent1"/>
-          </a:lnRef>
-          <a:fillRef idx="0">
-            <a:schemeClr val="accent1"/>
-          </a:fillRef>
-          <a:effectRef idx="1">
-            <a:schemeClr val="accent1"/>
-          </a:effectRef>
-          <a:fontRef idx="minor">
-            <a:schemeClr val="tx1"/>
-          </a:fontRef>
-        </p:style>
-      </p:cxnSp>
-      <p:sp>
-        <p:nvSpPr>
-          <p:cNvPr id="49" name="Google Shape;240;p41">
-            <a:extLst>
-              <a:ext uri="{FF2B5EF4-FFF2-40B4-BE49-F238E27FC236}">
-                <a16:creationId xmlns:a16="http://schemas.microsoft.com/office/drawing/2014/main" id="{225C65EE-56E4-D368-AD79-8295F105B387}"/>
-              </a:ext>
-            </a:extLst>
-          </p:cNvPr>
-          <p:cNvSpPr/>
-          <p:nvPr/>
-        </p:nvSpPr>
-        <p:spPr>
-          <a:xfrm>
-            <a:off x="8530246" y="4148023"/>
-            <a:ext cx="1423379" cy="300628"/>
-          </a:xfrm>
-          <a:prstGeom prst="rect">
-            <a:avLst/>
-          </a:prstGeom>
-          <a:solidFill>
-            <a:srgbClr val="007377"/>
-          </a:solidFill>
-          <a:ln w="19050" cap="flat" cmpd="sng">
+            <a:ln w="19050" cap="flat" cmpd="sng">
+              <a:solidFill>
+                <a:schemeClr val="lt1"/>
+              </a:solidFill>
+              <a:prstDash val="solid"/>
+              <a:miter lim="800000"/>
+              <a:headEnd type="none" w="sm" len="sm"/>
+              <a:tailEnd type="none" w="sm" len="sm"/>
+            </a:ln>
+          </p:spPr>
+          <p:txBody>
+            <a:bodyPr spcFirstLastPara="1" wrap="square" lIns="68575" tIns="34275" rIns="68575" bIns="34275" anchor="ctr" anchorCtr="0">
+              <a:noAutofit/>
+            </a:bodyPr>
+            <a:lstStyle/>
+            <a:p>
+              <a:pPr marL="0" marR="0" lvl="0" indent="0" algn="ctr" rtl="0">
+                <a:spcBef>
+                  <a:spcPts val="0"/>
+                </a:spcBef>
+                <a:spcAft>
+                  <a:spcPts val="0"/>
+                </a:spcAft>
+                <a:buNone/>
+              </a:pPr>
+              <a:r>
+                <a:rPr lang="en" sz="1200" dirty="0">
+                  <a:solidFill>
+                    <a:schemeClr val="lt1"/>
+                  </a:solidFill>
+                </a:rPr>
+                <a:t>Reference Sequence Alignment</a:t>
+              </a:r>
+              <a:endParaRPr sz="1100" dirty="0"/>
+            </a:p>
+          </p:txBody>
+        </p:sp>
+        <p:sp>
+          <p:nvSpPr>
+            <p:cNvPr id="14" name="Google Shape;240;p41">
+              <a:extLst>
+                <a:ext uri="{FF2B5EF4-FFF2-40B4-BE49-F238E27FC236}">
+                  <a16:creationId xmlns:a16="http://schemas.microsoft.com/office/drawing/2014/main" id="{9B368D37-EE39-0779-DF56-13E10B61731C}"/>
+                </a:ext>
+              </a:extLst>
+            </p:cNvPr>
+            <p:cNvSpPr/>
+            <p:nvPr/>
+          </p:nvSpPr>
+          <p:spPr>
+            <a:xfrm>
+              <a:off x="3645023" y="2429522"/>
+              <a:ext cx="2931993" cy="300628"/>
+            </a:xfrm>
+            <a:prstGeom prst="rect">
+              <a:avLst/>
+            </a:prstGeom>
             <a:solidFill>
-              <a:schemeClr val="lt1"/>
+              <a:srgbClr val="A49665"/>
             </a:solidFill>
-            <a:prstDash val="solid"/>
-            <a:miter lim="800000"/>
-            <a:headEnd type="none" w="sm" len="sm"/>
-            <a:tailEnd type="none" w="sm" len="sm"/>
-          </a:ln>
-        </p:spPr>
-        <p:txBody>
-          <a:bodyPr spcFirstLastPara="1" wrap="square" lIns="68575" tIns="34275" rIns="68575" bIns="34275" anchor="ctr" anchorCtr="0">
-            <a:noAutofit/>
-          </a:bodyPr>
-          <a:lstStyle/>
-          <a:p>
-            <a:pPr marL="0" marR="0" lvl="0" indent="0" algn="ctr" rtl="0">
-              <a:spcBef>
-                <a:spcPts val="0"/>
-              </a:spcBef>
-              <a:spcAft>
-                <a:spcPts val="0"/>
-              </a:spcAft>
-              <a:buNone/>
-            </a:pPr>
-            <a:r>
-              <a:rPr lang="en" sz="1200" dirty="0">
-                <a:solidFill>
-                  <a:schemeClr val="lt1"/>
-                </a:solidFill>
-              </a:rPr>
-              <a:t>Docked Complex</a:t>
-            </a:r>
-            <a:endParaRPr sz="1100" dirty="0"/>
-          </a:p>
-        </p:txBody>
-      </p:sp>
-      <p:sp>
-        <p:nvSpPr>
-          <p:cNvPr id="50" name="Google Shape;240;p41">
-            <a:extLst>
-              <a:ext uri="{FF2B5EF4-FFF2-40B4-BE49-F238E27FC236}">
-                <a16:creationId xmlns:a16="http://schemas.microsoft.com/office/drawing/2014/main" id="{60A72EA2-4626-43E6-22A0-877565E7F9F2}"/>
-              </a:ext>
-            </a:extLst>
-          </p:cNvPr>
-          <p:cNvSpPr/>
-          <p:nvPr/>
-        </p:nvSpPr>
-        <p:spPr>
-          <a:xfrm>
-            <a:off x="8530246" y="4445616"/>
-            <a:ext cx="1423379" cy="300628"/>
-          </a:xfrm>
-          <a:prstGeom prst="rect">
-            <a:avLst/>
-          </a:prstGeom>
-          <a:solidFill>
-            <a:schemeClr val="bg1">
-              <a:lumMod val="75000"/>
-            </a:schemeClr>
-          </a:solidFill>
-          <a:ln w="19050" cap="flat" cmpd="sng">
+            <a:ln w="19050" cap="flat" cmpd="sng">
+              <a:solidFill>
+                <a:schemeClr val="lt1"/>
+              </a:solidFill>
+              <a:prstDash val="solid"/>
+              <a:miter lim="800000"/>
+              <a:headEnd type="none" w="sm" len="sm"/>
+              <a:tailEnd type="none" w="sm" len="sm"/>
+            </a:ln>
+          </p:spPr>
+          <p:txBody>
+            <a:bodyPr spcFirstLastPara="1" wrap="square" lIns="68575" tIns="34275" rIns="68575" bIns="34275" anchor="ctr" anchorCtr="0">
+              <a:noAutofit/>
+            </a:bodyPr>
+            <a:lstStyle/>
+            <a:p>
+              <a:pPr marL="0" marR="0" lvl="0" indent="0" algn="ctr" rtl="0">
+                <a:spcBef>
+                  <a:spcPts val="0"/>
+                </a:spcBef>
+                <a:spcAft>
+                  <a:spcPts val="0"/>
+                </a:spcAft>
+                <a:buNone/>
+              </a:pPr>
+              <a:r>
+                <a:rPr lang="en" sz="1200" dirty="0"/>
+                <a:t>MUSCLE</a:t>
+              </a:r>
+              <a:endParaRPr sz="1100" dirty="0"/>
+            </a:p>
+          </p:txBody>
+        </p:sp>
+        <p:cxnSp>
+          <p:nvCxnSpPr>
+            <p:cNvPr id="17" name="Straight Arrow Connector 16">
+              <a:extLst>
+                <a:ext uri="{FF2B5EF4-FFF2-40B4-BE49-F238E27FC236}">
+                  <a16:creationId xmlns:a16="http://schemas.microsoft.com/office/drawing/2014/main" id="{E28DDD93-267F-5152-8527-EAB0FF3E3064}"/>
+                </a:ext>
+              </a:extLst>
+            </p:cNvPr>
+            <p:cNvCxnSpPr>
+              <a:cxnSpLocks/>
+              <a:stCxn id="14" idx="2"/>
+              <a:endCxn id="2" idx="0"/>
+            </p:cNvCxnSpPr>
+            <p:nvPr/>
+          </p:nvCxnSpPr>
+          <p:spPr>
+            <a:xfrm>
+              <a:off x="5111020" y="2730150"/>
+              <a:ext cx="0" cy="408369"/>
+            </a:xfrm>
+            <a:prstGeom prst="straightConnector1">
+              <a:avLst/>
+            </a:prstGeom>
+            <a:ln w="38100">
+              <a:solidFill>
+                <a:srgbClr val="005035"/>
+              </a:solidFill>
+              <a:tailEnd type="triangle"/>
+            </a:ln>
+          </p:spPr>
+          <p:style>
+            <a:lnRef idx="2">
+              <a:schemeClr val="accent1"/>
+            </a:lnRef>
+            <a:fillRef idx="0">
+              <a:schemeClr val="accent1"/>
+            </a:fillRef>
+            <a:effectRef idx="1">
+              <a:schemeClr val="accent1"/>
+            </a:effectRef>
+            <a:fontRef idx="minor">
+              <a:schemeClr val="tx1"/>
+            </a:fontRef>
+          </p:style>
+        </p:cxnSp>
+        <p:sp>
+          <p:nvSpPr>
+            <p:cNvPr id="20" name="Google Shape;240;p41">
+              <a:extLst>
+                <a:ext uri="{FF2B5EF4-FFF2-40B4-BE49-F238E27FC236}">
+                  <a16:creationId xmlns:a16="http://schemas.microsoft.com/office/drawing/2014/main" id="{7B2B22C5-C693-2569-6993-3D4622E58993}"/>
+                </a:ext>
+              </a:extLst>
+            </p:cNvPr>
+            <p:cNvSpPr/>
+            <p:nvPr/>
+          </p:nvSpPr>
+          <p:spPr>
+            <a:xfrm>
+              <a:off x="7021633" y="4144989"/>
+              <a:ext cx="1423379" cy="300628"/>
+            </a:xfrm>
+            <a:prstGeom prst="rect">
+              <a:avLst/>
+            </a:prstGeom>
             <a:solidFill>
-              <a:schemeClr val="lt1"/>
+              <a:srgbClr val="007377"/>
             </a:solidFill>
-            <a:prstDash val="solid"/>
-            <a:miter lim="800000"/>
-            <a:headEnd type="none" w="sm" len="sm"/>
-            <a:tailEnd type="none" w="sm" len="sm"/>
-          </a:ln>
-        </p:spPr>
-        <p:txBody>
-          <a:bodyPr spcFirstLastPara="1" wrap="square" lIns="68575" tIns="34275" rIns="68575" bIns="34275" anchor="ctr" anchorCtr="0">
-            <a:noAutofit/>
-          </a:bodyPr>
-          <a:lstStyle/>
-          <a:p>
-            <a:pPr marL="0" marR="0" lvl="0" indent="0" algn="ctr" rtl="0">
-              <a:spcBef>
-                <a:spcPts val="0"/>
-              </a:spcBef>
-              <a:spcAft>
-                <a:spcPts val="0"/>
-              </a:spcAft>
-              <a:buNone/>
-            </a:pPr>
-            <a:r>
-              <a:rPr lang="en" sz="1200" dirty="0"/>
-              <a:t>.PDB</a:t>
-            </a:r>
-            <a:endParaRPr sz="1100" dirty="0"/>
-          </a:p>
-        </p:txBody>
-      </p:sp>
-      <p:cxnSp>
-        <p:nvCxnSpPr>
-          <p:cNvPr id="53" name="Elbow Connector 52">
-            <a:extLst>
-              <a:ext uri="{FF2B5EF4-FFF2-40B4-BE49-F238E27FC236}">
-                <a16:creationId xmlns:a16="http://schemas.microsoft.com/office/drawing/2014/main" id="{C94B6B0B-9BD7-FC9A-9EA0-A5E55F2B6A09}"/>
-              </a:ext>
-            </a:extLst>
-          </p:cNvPr>
-          <p:cNvCxnSpPr>
-            <a:cxnSpLocks/>
-            <a:stCxn id="10" idx="2"/>
-            <a:endCxn id="20" idx="0"/>
-          </p:cNvCxnSpPr>
-          <p:nvPr/>
-        </p:nvCxnSpPr>
-        <p:spPr>
-          <a:xfrm rot="5400000">
-            <a:off x="7904401" y="3561763"/>
-            <a:ext cx="412148" cy="754304"/>
-          </a:xfrm>
-          <a:prstGeom prst="bentConnector3">
-            <a:avLst>
-              <a:gd name="adj1" fmla="val 50000"/>
-            </a:avLst>
-          </a:prstGeom>
-          <a:ln w="38100">
+            <a:ln w="19050" cap="flat" cmpd="sng">
+              <a:solidFill>
+                <a:schemeClr val="lt1"/>
+              </a:solidFill>
+              <a:prstDash val="solid"/>
+              <a:miter lim="800000"/>
+              <a:headEnd type="none" w="sm" len="sm"/>
+              <a:tailEnd type="none" w="sm" len="sm"/>
+            </a:ln>
+          </p:spPr>
+          <p:txBody>
+            <a:bodyPr spcFirstLastPara="1" wrap="square" lIns="68575" tIns="34275" rIns="68575" bIns="34275" anchor="ctr" anchorCtr="0">
+              <a:noAutofit/>
+            </a:bodyPr>
+            <a:lstStyle/>
+            <a:p>
+              <a:pPr marL="0" marR="0" lvl="0" indent="0" algn="ctr" rtl="0">
+                <a:spcBef>
+                  <a:spcPts val="0"/>
+                </a:spcBef>
+                <a:spcAft>
+                  <a:spcPts val="0"/>
+                </a:spcAft>
+                <a:buNone/>
+              </a:pPr>
+              <a:r>
+                <a:rPr lang="en" sz="1200" dirty="0">
+                  <a:solidFill>
+                    <a:schemeClr val="lt1"/>
+                  </a:solidFill>
+                </a:rPr>
+                <a:t>Report Generation</a:t>
+              </a:r>
+              <a:endParaRPr sz="1100" dirty="0"/>
+            </a:p>
+          </p:txBody>
+        </p:sp>
+        <p:sp>
+          <p:nvSpPr>
+            <p:cNvPr id="21" name="Google Shape;240;p41">
+              <a:extLst>
+                <a:ext uri="{FF2B5EF4-FFF2-40B4-BE49-F238E27FC236}">
+                  <a16:creationId xmlns:a16="http://schemas.microsoft.com/office/drawing/2014/main" id="{89865C79-342C-E4C3-54A2-CE7442498952}"/>
+                </a:ext>
+              </a:extLst>
+            </p:cNvPr>
+            <p:cNvSpPr/>
+            <p:nvPr/>
+          </p:nvSpPr>
+          <p:spPr>
+            <a:xfrm>
+              <a:off x="7021632" y="4445616"/>
+              <a:ext cx="1423379" cy="300628"/>
+            </a:xfrm>
+            <a:prstGeom prst="rect">
+              <a:avLst/>
+            </a:prstGeom>
             <a:solidFill>
-              <a:srgbClr val="005035"/>
+              <a:schemeClr val="bg1">
+                <a:lumMod val="75000"/>
+              </a:schemeClr>
             </a:solidFill>
-            <a:tailEnd type="triangle"/>
-          </a:ln>
-        </p:spPr>
-        <p:style>
-          <a:lnRef idx="2">
-            <a:schemeClr val="accent1"/>
-          </a:lnRef>
-          <a:fillRef idx="0">
-            <a:schemeClr val="accent1"/>
-          </a:fillRef>
-          <a:effectRef idx="1">
-            <a:schemeClr val="accent1"/>
-          </a:effectRef>
-          <a:fontRef idx="minor">
-            <a:schemeClr val="tx1"/>
-          </a:fontRef>
-        </p:style>
-      </p:cxnSp>
-      <p:cxnSp>
-        <p:nvCxnSpPr>
-          <p:cNvPr id="56" name="Elbow Connector 55">
-            <a:extLst>
-              <a:ext uri="{FF2B5EF4-FFF2-40B4-BE49-F238E27FC236}">
-                <a16:creationId xmlns:a16="http://schemas.microsoft.com/office/drawing/2014/main" id="{CF1A3FB1-395B-9566-A25B-57FA89FB1B73}"/>
-              </a:ext>
-            </a:extLst>
-          </p:cNvPr>
-          <p:cNvCxnSpPr>
-            <a:cxnSpLocks/>
-            <a:stCxn id="10" idx="2"/>
-            <a:endCxn id="49" idx="0"/>
-          </p:cNvCxnSpPr>
-          <p:nvPr/>
-        </p:nvCxnSpPr>
-        <p:spPr>
-          <a:xfrm rot="16200000" flipH="1">
-            <a:off x="8657190" y="3563277"/>
-            <a:ext cx="415182" cy="754309"/>
-          </a:xfrm>
-          <a:prstGeom prst="bentConnector3">
-            <a:avLst>
-              <a:gd name="adj1" fmla="val 50000"/>
-            </a:avLst>
-          </a:prstGeom>
-          <a:ln w="38100">
+            <a:ln w="19050" cap="flat" cmpd="sng">
+              <a:solidFill>
+                <a:schemeClr val="lt1"/>
+              </a:solidFill>
+              <a:prstDash val="solid"/>
+              <a:miter lim="800000"/>
+              <a:headEnd type="none" w="sm" len="sm"/>
+              <a:tailEnd type="none" w="sm" len="sm"/>
+            </a:ln>
+          </p:spPr>
+          <p:txBody>
+            <a:bodyPr spcFirstLastPara="1" wrap="square" lIns="68575" tIns="34275" rIns="68575" bIns="34275" anchor="ctr" anchorCtr="0">
+              <a:noAutofit/>
+            </a:bodyPr>
+            <a:lstStyle/>
+            <a:p>
+              <a:pPr marL="0" marR="0" lvl="0" indent="0" algn="ctr" rtl="0">
+                <a:spcBef>
+                  <a:spcPts val="0"/>
+                </a:spcBef>
+                <a:spcAft>
+                  <a:spcPts val="0"/>
+                </a:spcAft>
+                <a:buNone/>
+              </a:pPr>
+              <a:r>
+                <a:rPr lang="en" sz="1200" dirty="0"/>
+                <a:t>Quarto .HTML</a:t>
+              </a:r>
+              <a:endParaRPr sz="1100" dirty="0"/>
+            </a:p>
+          </p:txBody>
+        </p:sp>
+        <p:sp>
+          <p:nvSpPr>
+            <p:cNvPr id="43" name="Google Shape;240;p41">
+              <a:extLst>
+                <a:ext uri="{FF2B5EF4-FFF2-40B4-BE49-F238E27FC236}">
+                  <a16:creationId xmlns:a16="http://schemas.microsoft.com/office/drawing/2014/main" id="{BA06AF7E-333B-5AE1-1DBB-882590C2AA43}"/>
+                </a:ext>
+              </a:extLst>
+            </p:cNvPr>
+            <p:cNvSpPr/>
+            <p:nvPr/>
+          </p:nvSpPr>
+          <p:spPr>
+            <a:xfrm>
+              <a:off x="7021632" y="2125115"/>
+              <a:ext cx="2931993" cy="300628"/>
+            </a:xfrm>
+            <a:prstGeom prst="rect">
+              <a:avLst/>
+            </a:prstGeom>
             <a:solidFill>
-              <a:srgbClr val="005035"/>
+              <a:srgbClr val="007377"/>
             </a:solidFill>
-            <a:tailEnd type="triangle"/>
-          </a:ln>
-        </p:spPr>
-        <p:style>
-          <a:lnRef idx="2">
-            <a:schemeClr val="accent1"/>
-          </a:lnRef>
-          <a:fillRef idx="0">
-            <a:schemeClr val="accent1"/>
-          </a:fillRef>
-          <a:effectRef idx="1">
-            <a:schemeClr val="accent1"/>
-          </a:effectRef>
-          <a:fontRef idx="minor">
-            <a:schemeClr val="tx1"/>
-          </a:fontRef>
-        </p:style>
-      </p:cxnSp>
-      <p:sp>
-        <p:nvSpPr>
-          <p:cNvPr id="6" name="Google Shape;240;p41">
-            <a:extLst>
-              <a:ext uri="{FF2B5EF4-FFF2-40B4-BE49-F238E27FC236}">
-                <a16:creationId xmlns:a16="http://schemas.microsoft.com/office/drawing/2014/main" id="{865A1836-9462-BA00-303F-9F65F463BD1F}"/>
-              </a:ext>
-            </a:extLst>
-          </p:cNvPr>
-          <p:cNvSpPr/>
-          <p:nvPr/>
-        </p:nvSpPr>
-        <p:spPr>
-          <a:xfrm>
-            <a:off x="3645023" y="1120847"/>
-            <a:ext cx="2931993" cy="300628"/>
-          </a:xfrm>
-          <a:prstGeom prst="rect">
-            <a:avLst/>
-          </a:prstGeom>
-          <a:solidFill>
-            <a:srgbClr val="007377"/>
-          </a:solidFill>
-          <a:ln w="19050" cap="flat" cmpd="sng">
+            <a:ln w="19050" cap="flat" cmpd="sng">
+              <a:solidFill>
+                <a:schemeClr val="lt1"/>
+              </a:solidFill>
+              <a:prstDash val="solid"/>
+              <a:miter lim="800000"/>
+              <a:headEnd type="none" w="sm" len="sm"/>
+              <a:tailEnd type="none" w="sm" len="sm"/>
+            </a:ln>
+          </p:spPr>
+          <p:txBody>
+            <a:bodyPr spcFirstLastPara="1" wrap="square" lIns="68575" tIns="34275" rIns="68575" bIns="34275" anchor="ctr" anchorCtr="0">
+              <a:noAutofit/>
+            </a:bodyPr>
+            <a:lstStyle/>
+            <a:p>
+              <a:pPr marL="0" marR="0" lvl="0" indent="0" algn="ctr" rtl="0">
+                <a:spcBef>
+                  <a:spcPts val="0"/>
+                </a:spcBef>
+                <a:spcAft>
+                  <a:spcPts val="0"/>
+                </a:spcAft>
+                <a:buNone/>
+              </a:pPr>
+              <a:r>
+                <a:rPr lang="en" sz="1200" dirty="0">
+                  <a:solidFill>
+                    <a:schemeClr val="lt1"/>
+                  </a:solidFill>
+                </a:rPr>
+                <a:t>Antigen Structure Input</a:t>
+              </a:r>
+              <a:endParaRPr sz="1100" dirty="0"/>
+            </a:p>
+          </p:txBody>
+        </p:sp>
+        <p:sp>
+          <p:nvSpPr>
+            <p:cNvPr id="44" name="Google Shape;240;p41">
+              <a:extLst>
+                <a:ext uri="{FF2B5EF4-FFF2-40B4-BE49-F238E27FC236}">
+                  <a16:creationId xmlns:a16="http://schemas.microsoft.com/office/drawing/2014/main" id="{9E73114F-6406-3244-A13D-A1261C5F41D1}"/>
+                </a:ext>
+              </a:extLst>
+            </p:cNvPr>
+            <p:cNvSpPr/>
+            <p:nvPr/>
+          </p:nvSpPr>
+          <p:spPr>
+            <a:xfrm>
+              <a:off x="7021632" y="2425743"/>
+              <a:ext cx="2931993" cy="300628"/>
+            </a:xfrm>
+            <a:prstGeom prst="rect">
+              <a:avLst/>
+            </a:prstGeom>
             <a:solidFill>
-              <a:schemeClr val="lt1"/>
+              <a:schemeClr val="bg1">
+                <a:lumMod val="75000"/>
+              </a:schemeClr>
             </a:solidFill>
-            <a:prstDash val="solid"/>
-            <a:miter lim="800000"/>
-            <a:headEnd type="none" w="sm" len="sm"/>
-            <a:tailEnd type="none" w="sm" len="sm"/>
-          </a:ln>
-        </p:spPr>
-        <p:txBody>
-          <a:bodyPr spcFirstLastPara="1" wrap="square" lIns="68575" tIns="34275" rIns="68575" bIns="34275" anchor="ctr" anchorCtr="0">
-            <a:noAutofit/>
-          </a:bodyPr>
-          <a:lstStyle/>
-          <a:p>
-            <a:pPr marL="0" marR="0" lvl="0" indent="0" algn="ctr" rtl="0">
-              <a:spcBef>
-                <a:spcPts val="0"/>
-              </a:spcBef>
-              <a:spcAft>
-                <a:spcPts val="0"/>
-              </a:spcAft>
-              <a:buNone/>
-            </a:pPr>
-            <a:r>
-              <a:rPr lang="en" sz="1200" dirty="0">
-                <a:solidFill>
-                  <a:schemeClr val="lt1"/>
-                </a:solidFill>
-              </a:rPr>
-              <a:t>Reference Sequence Collection</a:t>
-            </a:r>
-            <a:endParaRPr sz="1100" dirty="0"/>
-          </a:p>
-        </p:txBody>
-      </p:sp>
-      <p:sp>
-        <p:nvSpPr>
-          <p:cNvPr id="8" name="Google Shape;240;p41">
-            <a:extLst>
-              <a:ext uri="{FF2B5EF4-FFF2-40B4-BE49-F238E27FC236}">
-                <a16:creationId xmlns:a16="http://schemas.microsoft.com/office/drawing/2014/main" id="{71C000BA-2A2C-2D10-B64F-E96738129F67}"/>
-              </a:ext>
-            </a:extLst>
-          </p:cNvPr>
-          <p:cNvSpPr/>
-          <p:nvPr/>
-        </p:nvSpPr>
-        <p:spPr>
-          <a:xfrm>
-            <a:off x="3645023" y="1421475"/>
-            <a:ext cx="2931993" cy="300628"/>
-          </a:xfrm>
-          <a:prstGeom prst="rect">
-            <a:avLst/>
-          </a:prstGeom>
-          <a:solidFill>
-            <a:schemeClr val="bg1">
-              <a:lumMod val="75000"/>
-            </a:schemeClr>
-          </a:solidFill>
-          <a:ln w="19050" cap="flat" cmpd="sng">
+            <a:ln w="19050" cap="flat" cmpd="sng">
+              <a:solidFill>
+                <a:schemeClr val="lt1"/>
+              </a:solidFill>
+              <a:prstDash val="solid"/>
+              <a:miter lim="800000"/>
+              <a:headEnd type="none" w="sm" len="sm"/>
+              <a:tailEnd type="none" w="sm" len="sm"/>
+            </a:ln>
+          </p:spPr>
+          <p:txBody>
+            <a:bodyPr spcFirstLastPara="1" wrap="square" lIns="68575" tIns="34275" rIns="68575" bIns="34275" anchor="ctr" anchorCtr="0">
+              <a:noAutofit/>
+            </a:bodyPr>
+            <a:lstStyle/>
+            <a:p>
+              <a:pPr marL="0" marR="0" lvl="0" indent="0" algn="ctr" rtl="0">
+                <a:spcBef>
+                  <a:spcPts val="0"/>
+                </a:spcBef>
+                <a:spcAft>
+                  <a:spcPts val="0"/>
+                </a:spcAft>
+                <a:buNone/>
+              </a:pPr>
+              <a:r>
+                <a:rPr lang="en" sz="1200" dirty="0"/>
+                <a:t>Protein Data Bank / Custom .PDB</a:t>
+              </a:r>
+              <a:endParaRPr sz="1100" dirty="0"/>
+            </a:p>
+          </p:txBody>
+        </p:sp>
+        <p:cxnSp>
+          <p:nvCxnSpPr>
+            <p:cNvPr id="45" name="Straight Arrow Connector 44">
+              <a:extLst>
+                <a:ext uri="{FF2B5EF4-FFF2-40B4-BE49-F238E27FC236}">
+                  <a16:creationId xmlns:a16="http://schemas.microsoft.com/office/drawing/2014/main" id="{57C97B69-9D9A-9C1B-B416-A0F781CDAE68}"/>
+                </a:ext>
+              </a:extLst>
+            </p:cNvPr>
+            <p:cNvCxnSpPr>
+              <a:cxnSpLocks/>
+              <a:stCxn id="44" idx="2"/>
+              <a:endCxn id="9" idx="0"/>
+            </p:cNvCxnSpPr>
+            <p:nvPr/>
+          </p:nvCxnSpPr>
+          <p:spPr>
+            <a:xfrm>
+              <a:off x="8487629" y="2726371"/>
+              <a:ext cx="0" cy="412148"/>
+            </a:xfrm>
+            <a:prstGeom prst="straightConnector1">
+              <a:avLst/>
+            </a:prstGeom>
+            <a:ln w="38100">
+              <a:solidFill>
+                <a:srgbClr val="005035"/>
+              </a:solidFill>
+              <a:tailEnd type="triangle"/>
+            </a:ln>
+          </p:spPr>
+          <p:style>
+            <a:lnRef idx="2">
+              <a:schemeClr val="accent1"/>
+            </a:lnRef>
+            <a:fillRef idx="0">
+              <a:schemeClr val="accent1"/>
+            </a:fillRef>
+            <a:effectRef idx="1">
+              <a:schemeClr val="accent1"/>
+            </a:effectRef>
+            <a:fontRef idx="minor">
+              <a:schemeClr val="tx1"/>
+            </a:fontRef>
+          </p:style>
+        </p:cxnSp>
+        <p:sp>
+          <p:nvSpPr>
+            <p:cNvPr id="49" name="Google Shape;240;p41">
+              <a:extLst>
+                <a:ext uri="{FF2B5EF4-FFF2-40B4-BE49-F238E27FC236}">
+                  <a16:creationId xmlns:a16="http://schemas.microsoft.com/office/drawing/2014/main" id="{225C65EE-56E4-D368-AD79-8295F105B387}"/>
+                </a:ext>
+              </a:extLst>
+            </p:cNvPr>
+            <p:cNvSpPr/>
+            <p:nvPr/>
+          </p:nvSpPr>
+          <p:spPr>
+            <a:xfrm>
+              <a:off x="8530246" y="4148023"/>
+              <a:ext cx="1423379" cy="300628"/>
+            </a:xfrm>
+            <a:prstGeom prst="rect">
+              <a:avLst/>
+            </a:prstGeom>
             <a:solidFill>
-              <a:schemeClr val="lt1"/>
+              <a:srgbClr val="007377"/>
             </a:solidFill>
-            <a:prstDash val="solid"/>
-            <a:miter lim="800000"/>
-            <a:headEnd type="none" w="sm" len="sm"/>
-            <a:tailEnd type="none" w="sm" len="sm"/>
-          </a:ln>
-        </p:spPr>
-        <p:txBody>
-          <a:bodyPr spcFirstLastPara="1" wrap="square" lIns="68575" tIns="34275" rIns="68575" bIns="34275" anchor="ctr" anchorCtr="0">
-            <a:noAutofit/>
-          </a:bodyPr>
-          <a:lstStyle/>
-          <a:p>
-            <a:pPr marL="0" marR="0" lvl="0" indent="0" algn="ctr" rtl="0">
-              <a:spcBef>
-                <a:spcPts val="0"/>
-              </a:spcBef>
-              <a:spcAft>
-                <a:spcPts val="0"/>
-              </a:spcAft>
-              <a:buNone/>
-            </a:pPr>
-            <a:r>
-              <a:rPr lang="en" sz="1200" dirty="0"/>
-              <a:t>Protein Data Bank / Thera-</a:t>
-            </a:r>
-            <a:r>
-              <a:rPr lang="en" sz="1200" dirty="0" err="1"/>
-              <a:t>SAbDab</a:t>
-            </a:r>
-            <a:endParaRPr sz="1100" dirty="0"/>
-          </a:p>
-        </p:txBody>
-      </p:sp>
-      <p:cxnSp>
-        <p:nvCxnSpPr>
-          <p:cNvPr id="11" name="Straight Arrow Connector 10">
-            <a:extLst>
-              <a:ext uri="{FF2B5EF4-FFF2-40B4-BE49-F238E27FC236}">
-                <a16:creationId xmlns:a16="http://schemas.microsoft.com/office/drawing/2014/main" id="{AF5C1DA1-1718-D55C-6FE3-85786B22E71A}"/>
-              </a:ext>
-            </a:extLst>
-          </p:cNvPr>
-          <p:cNvCxnSpPr>
-            <a:cxnSpLocks/>
-            <a:stCxn id="8" idx="2"/>
-            <a:endCxn id="13" idx="0"/>
-          </p:cNvCxnSpPr>
-          <p:nvPr/>
-        </p:nvCxnSpPr>
-        <p:spPr>
-          <a:xfrm>
-            <a:off x="5111020" y="1722103"/>
-            <a:ext cx="0" cy="406791"/>
-          </a:xfrm>
-          <a:prstGeom prst="straightConnector1">
-            <a:avLst/>
-          </a:prstGeom>
-          <a:ln w="38100">
+            <a:ln w="19050" cap="flat" cmpd="sng">
+              <a:solidFill>
+                <a:schemeClr val="lt1"/>
+              </a:solidFill>
+              <a:prstDash val="solid"/>
+              <a:miter lim="800000"/>
+              <a:headEnd type="none" w="sm" len="sm"/>
+              <a:tailEnd type="none" w="sm" len="sm"/>
+            </a:ln>
+          </p:spPr>
+          <p:txBody>
+            <a:bodyPr spcFirstLastPara="1" wrap="square" lIns="68575" tIns="34275" rIns="68575" bIns="34275" anchor="ctr" anchorCtr="0">
+              <a:noAutofit/>
+            </a:bodyPr>
+            <a:lstStyle/>
+            <a:p>
+              <a:pPr marL="0" marR="0" lvl="0" indent="0" algn="ctr" rtl="0">
+                <a:spcBef>
+                  <a:spcPts val="0"/>
+                </a:spcBef>
+                <a:spcAft>
+                  <a:spcPts val="0"/>
+                </a:spcAft>
+                <a:buNone/>
+              </a:pPr>
+              <a:r>
+                <a:rPr lang="en" sz="1200" dirty="0">
+                  <a:solidFill>
+                    <a:schemeClr val="lt1"/>
+                  </a:solidFill>
+                </a:rPr>
+                <a:t>Docked Complex</a:t>
+              </a:r>
+              <a:endParaRPr sz="1100" dirty="0"/>
+            </a:p>
+          </p:txBody>
+        </p:sp>
+        <p:sp>
+          <p:nvSpPr>
+            <p:cNvPr id="50" name="Google Shape;240;p41">
+              <a:extLst>
+                <a:ext uri="{FF2B5EF4-FFF2-40B4-BE49-F238E27FC236}">
+                  <a16:creationId xmlns:a16="http://schemas.microsoft.com/office/drawing/2014/main" id="{60A72EA2-4626-43E6-22A0-877565E7F9F2}"/>
+                </a:ext>
+              </a:extLst>
+            </p:cNvPr>
+            <p:cNvSpPr/>
+            <p:nvPr/>
+          </p:nvSpPr>
+          <p:spPr>
+            <a:xfrm>
+              <a:off x="8530246" y="4445616"/>
+              <a:ext cx="1423379" cy="300628"/>
+            </a:xfrm>
+            <a:prstGeom prst="rect">
+              <a:avLst/>
+            </a:prstGeom>
             <a:solidFill>
-              <a:srgbClr val="005035"/>
+              <a:schemeClr val="bg1">
+                <a:lumMod val="75000"/>
+              </a:schemeClr>
             </a:solidFill>
-            <a:tailEnd type="triangle"/>
-          </a:ln>
-        </p:spPr>
-        <p:style>
-          <a:lnRef idx="2">
-            <a:schemeClr val="accent1"/>
-          </a:lnRef>
-          <a:fillRef idx="0">
-            <a:schemeClr val="accent1"/>
-          </a:fillRef>
-          <a:effectRef idx="1">
-            <a:schemeClr val="accent1"/>
-          </a:effectRef>
-          <a:fontRef idx="minor">
-            <a:schemeClr val="tx1"/>
-          </a:fontRef>
-        </p:style>
-      </p:cxnSp>
+            <a:ln w="19050" cap="flat" cmpd="sng">
+              <a:solidFill>
+                <a:schemeClr val="lt1"/>
+              </a:solidFill>
+              <a:prstDash val="solid"/>
+              <a:miter lim="800000"/>
+              <a:headEnd type="none" w="sm" len="sm"/>
+              <a:tailEnd type="none" w="sm" len="sm"/>
+            </a:ln>
+          </p:spPr>
+          <p:txBody>
+            <a:bodyPr spcFirstLastPara="1" wrap="square" lIns="68575" tIns="34275" rIns="68575" bIns="34275" anchor="ctr" anchorCtr="0">
+              <a:noAutofit/>
+            </a:bodyPr>
+            <a:lstStyle/>
+            <a:p>
+              <a:pPr marL="0" marR="0" lvl="0" indent="0" algn="ctr" rtl="0">
+                <a:spcBef>
+                  <a:spcPts val="0"/>
+                </a:spcBef>
+                <a:spcAft>
+                  <a:spcPts val="0"/>
+                </a:spcAft>
+                <a:buNone/>
+              </a:pPr>
+              <a:r>
+                <a:rPr lang="en" sz="1200" dirty="0"/>
+                <a:t>.PDB</a:t>
+              </a:r>
+              <a:endParaRPr sz="1100" dirty="0"/>
+            </a:p>
+          </p:txBody>
+        </p:sp>
+        <p:cxnSp>
+          <p:nvCxnSpPr>
+            <p:cNvPr id="53" name="Elbow Connector 52">
+              <a:extLst>
+                <a:ext uri="{FF2B5EF4-FFF2-40B4-BE49-F238E27FC236}">
+                  <a16:creationId xmlns:a16="http://schemas.microsoft.com/office/drawing/2014/main" id="{C94B6B0B-9BD7-FC9A-9EA0-A5E55F2B6A09}"/>
+                </a:ext>
+              </a:extLst>
+            </p:cNvPr>
+            <p:cNvCxnSpPr>
+              <a:cxnSpLocks/>
+              <a:stCxn id="10" idx="2"/>
+              <a:endCxn id="20" idx="0"/>
+            </p:cNvCxnSpPr>
+            <p:nvPr/>
+          </p:nvCxnSpPr>
+          <p:spPr>
+            <a:xfrm rot="5400000">
+              <a:off x="7904401" y="3561763"/>
+              <a:ext cx="412148" cy="754304"/>
+            </a:xfrm>
+            <a:prstGeom prst="bentConnector3">
+              <a:avLst>
+                <a:gd name="adj1" fmla="val 50000"/>
+              </a:avLst>
+            </a:prstGeom>
+            <a:ln w="38100">
+              <a:solidFill>
+                <a:srgbClr val="005035"/>
+              </a:solidFill>
+              <a:tailEnd type="triangle"/>
+            </a:ln>
+          </p:spPr>
+          <p:style>
+            <a:lnRef idx="2">
+              <a:schemeClr val="accent1"/>
+            </a:lnRef>
+            <a:fillRef idx="0">
+              <a:schemeClr val="accent1"/>
+            </a:fillRef>
+            <a:effectRef idx="1">
+              <a:schemeClr val="accent1"/>
+            </a:effectRef>
+            <a:fontRef idx="minor">
+              <a:schemeClr val="tx1"/>
+            </a:fontRef>
+          </p:style>
+        </p:cxnSp>
+        <p:cxnSp>
+          <p:nvCxnSpPr>
+            <p:cNvPr id="56" name="Elbow Connector 55">
+              <a:extLst>
+                <a:ext uri="{FF2B5EF4-FFF2-40B4-BE49-F238E27FC236}">
+                  <a16:creationId xmlns:a16="http://schemas.microsoft.com/office/drawing/2014/main" id="{CF1A3FB1-395B-9566-A25B-57FA89FB1B73}"/>
+                </a:ext>
+              </a:extLst>
+            </p:cNvPr>
+            <p:cNvCxnSpPr>
+              <a:cxnSpLocks/>
+              <a:stCxn id="10" idx="2"/>
+              <a:endCxn id="49" idx="0"/>
+            </p:cNvCxnSpPr>
+            <p:nvPr/>
+          </p:nvCxnSpPr>
+          <p:spPr>
+            <a:xfrm rot="16200000" flipH="1">
+              <a:off x="8657190" y="3563277"/>
+              <a:ext cx="415182" cy="754309"/>
+            </a:xfrm>
+            <a:prstGeom prst="bentConnector3">
+              <a:avLst>
+                <a:gd name="adj1" fmla="val 50000"/>
+              </a:avLst>
+            </a:prstGeom>
+            <a:ln w="38100">
+              <a:solidFill>
+                <a:srgbClr val="005035"/>
+              </a:solidFill>
+              <a:tailEnd type="triangle"/>
+            </a:ln>
+          </p:spPr>
+          <p:style>
+            <a:lnRef idx="2">
+              <a:schemeClr val="accent1"/>
+            </a:lnRef>
+            <a:fillRef idx="0">
+              <a:schemeClr val="accent1"/>
+            </a:fillRef>
+            <a:effectRef idx="1">
+              <a:schemeClr val="accent1"/>
+            </a:effectRef>
+            <a:fontRef idx="minor">
+              <a:schemeClr val="tx1"/>
+            </a:fontRef>
+          </p:style>
+        </p:cxnSp>
+        <p:sp>
+          <p:nvSpPr>
+            <p:cNvPr id="6" name="Google Shape;240;p41">
+              <a:extLst>
+                <a:ext uri="{FF2B5EF4-FFF2-40B4-BE49-F238E27FC236}">
+                  <a16:creationId xmlns:a16="http://schemas.microsoft.com/office/drawing/2014/main" id="{865A1836-9462-BA00-303F-9F65F463BD1F}"/>
+                </a:ext>
+              </a:extLst>
+            </p:cNvPr>
+            <p:cNvSpPr/>
+            <p:nvPr/>
+          </p:nvSpPr>
+          <p:spPr>
+            <a:xfrm>
+              <a:off x="3645023" y="1120847"/>
+              <a:ext cx="2931993" cy="300628"/>
+            </a:xfrm>
+            <a:prstGeom prst="rect">
+              <a:avLst/>
+            </a:prstGeom>
+            <a:solidFill>
+              <a:srgbClr val="007377"/>
+            </a:solidFill>
+            <a:ln w="19050" cap="flat" cmpd="sng">
+              <a:solidFill>
+                <a:schemeClr val="lt1"/>
+              </a:solidFill>
+              <a:prstDash val="solid"/>
+              <a:miter lim="800000"/>
+              <a:headEnd type="none" w="sm" len="sm"/>
+              <a:tailEnd type="none" w="sm" len="sm"/>
+            </a:ln>
+          </p:spPr>
+          <p:txBody>
+            <a:bodyPr spcFirstLastPara="1" wrap="square" lIns="68575" tIns="34275" rIns="68575" bIns="34275" anchor="ctr" anchorCtr="0">
+              <a:noAutofit/>
+            </a:bodyPr>
+            <a:lstStyle/>
+            <a:p>
+              <a:pPr marL="0" marR="0" lvl="0" indent="0" algn="ctr" rtl="0">
+                <a:spcBef>
+                  <a:spcPts val="0"/>
+                </a:spcBef>
+                <a:spcAft>
+                  <a:spcPts val="0"/>
+                </a:spcAft>
+                <a:buNone/>
+              </a:pPr>
+              <a:r>
+                <a:rPr lang="en" sz="1200" dirty="0">
+                  <a:solidFill>
+                    <a:schemeClr val="lt1"/>
+                  </a:solidFill>
+                </a:rPr>
+                <a:t>Reference Sequence Collection</a:t>
+              </a:r>
+              <a:endParaRPr sz="1100" dirty="0"/>
+            </a:p>
+          </p:txBody>
+        </p:sp>
+        <p:sp>
+          <p:nvSpPr>
+            <p:cNvPr id="8" name="Google Shape;240;p41">
+              <a:extLst>
+                <a:ext uri="{FF2B5EF4-FFF2-40B4-BE49-F238E27FC236}">
+                  <a16:creationId xmlns:a16="http://schemas.microsoft.com/office/drawing/2014/main" id="{71C000BA-2A2C-2D10-B64F-E96738129F67}"/>
+                </a:ext>
+              </a:extLst>
+            </p:cNvPr>
+            <p:cNvSpPr/>
+            <p:nvPr/>
+          </p:nvSpPr>
+          <p:spPr>
+            <a:xfrm>
+              <a:off x="3645023" y="1421475"/>
+              <a:ext cx="2931993" cy="300628"/>
+            </a:xfrm>
+            <a:prstGeom prst="rect">
+              <a:avLst/>
+            </a:prstGeom>
+            <a:solidFill>
+              <a:schemeClr val="bg1">
+                <a:lumMod val="75000"/>
+              </a:schemeClr>
+            </a:solidFill>
+            <a:ln w="19050" cap="flat" cmpd="sng">
+              <a:solidFill>
+                <a:schemeClr val="lt1"/>
+              </a:solidFill>
+              <a:prstDash val="solid"/>
+              <a:miter lim="800000"/>
+              <a:headEnd type="none" w="sm" len="sm"/>
+              <a:tailEnd type="none" w="sm" len="sm"/>
+            </a:ln>
+          </p:spPr>
+          <p:txBody>
+            <a:bodyPr spcFirstLastPara="1" wrap="square" lIns="68575" tIns="34275" rIns="68575" bIns="34275" anchor="ctr" anchorCtr="0">
+              <a:noAutofit/>
+            </a:bodyPr>
+            <a:lstStyle/>
+            <a:p>
+              <a:pPr marL="0" marR="0" lvl="0" indent="0" algn="ctr" rtl="0">
+                <a:spcBef>
+                  <a:spcPts val="0"/>
+                </a:spcBef>
+                <a:spcAft>
+                  <a:spcPts val="0"/>
+                </a:spcAft>
+                <a:buNone/>
+              </a:pPr>
+              <a:r>
+                <a:rPr lang="en" sz="1200" dirty="0"/>
+                <a:t>Protein Data Bank / Thera-</a:t>
+              </a:r>
+              <a:r>
+                <a:rPr lang="en" sz="1200" dirty="0" err="1"/>
+                <a:t>SAbDab</a:t>
+              </a:r>
+              <a:endParaRPr sz="1100" dirty="0"/>
+            </a:p>
+          </p:txBody>
+        </p:sp>
+        <p:cxnSp>
+          <p:nvCxnSpPr>
+            <p:cNvPr id="11" name="Straight Arrow Connector 10">
+              <a:extLst>
+                <a:ext uri="{FF2B5EF4-FFF2-40B4-BE49-F238E27FC236}">
+                  <a16:creationId xmlns:a16="http://schemas.microsoft.com/office/drawing/2014/main" id="{AF5C1DA1-1718-D55C-6FE3-85786B22E71A}"/>
+                </a:ext>
+              </a:extLst>
+            </p:cNvPr>
+            <p:cNvCxnSpPr>
+              <a:cxnSpLocks/>
+              <a:stCxn id="8" idx="2"/>
+              <a:endCxn id="13" idx="0"/>
+            </p:cNvCxnSpPr>
+            <p:nvPr/>
+          </p:nvCxnSpPr>
+          <p:spPr>
+            <a:xfrm>
+              <a:off x="5111020" y="1722103"/>
+              <a:ext cx="0" cy="406791"/>
+            </a:xfrm>
+            <a:prstGeom prst="straightConnector1">
+              <a:avLst/>
+            </a:prstGeom>
+            <a:ln w="38100">
+              <a:solidFill>
+                <a:srgbClr val="005035"/>
+              </a:solidFill>
+              <a:tailEnd type="triangle"/>
+            </a:ln>
+          </p:spPr>
+          <p:style>
+            <a:lnRef idx="2">
+              <a:schemeClr val="accent1"/>
+            </a:lnRef>
+            <a:fillRef idx="0">
+              <a:schemeClr val="accent1"/>
+            </a:fillRef>
+            <a:effectRef idx="1">
+              <a:schemeClr val="accent1"/>
+            </a:effectRef>
+            <a:fontRef idx="minor">
+              <a:schemeClr val="tx1"/>
+            </a:fontRef>
+          </p:style>
+        </p:cxnSp>
+      </p:grpSp>
     </p:spTree>
     <p:extLst>
       <p:ext uri="{BB962C8B-B14F-4D97-AF65-F5344CB8AC3E}">
